--- a/presentation/write.pptx
+++ b/presentation/write.pptx
@@ -10,9 +10,9 @@
   </p:notesMasterIdLst>
   <p:sldIdLst>
     <p:sldId id="268" r:id="rId3"/>
-    <p:sldId id="269" r:id="rId4"/>
-    <p:sldId id="267" r:id="rId5"/>
-    <p:sldId id="270" r:id="rId6"/>
+    <p:sldId id="267" r:id="rId4"/>
+    <p:sldId id="270" r:id="rId5"/>
+    <p:sldId id="269" r:id="rId6"/>
   </p:sldIdLst>
   <p:sldSz cx="12192000" cy="6858000"/>
   <p:notesSz cx="6858000" cy="9144000"/>
@@ -201,7 +201,7 @@
           <a:p>
             <a:fld id="{A3EE200F-7134-41FA-99C6-2CF1EF29B90A}" type="datetimeFigureOut">
               <a:rPr lang="zh-CN" altLang="en-US" smtClean="0"/>
-              <a:t>2018/12/2</a:t>
+              <a:t>2018/12/25</a:t>
             </a:fld>
             <a:endParaRPr lang="zh-CN" altLang="en-US"/>
           </a:p>
@@ -581,7 +581,7 @@
                 <a:tabLst/>
                 <a:defRPr/>
               </a:pPr>
-              <a:t>3</a:t>
+              <a:t>2</a:t>
             </a:fld>
             <a:endParaRPr kumimoji="0" lang="zh-CN" altLang="en-US" sz="1200" b="0" i="0" u="none" strike="noStrike" kern="1200" cap="none" spc="0" normalizeH="0" baseline="0" noProof="0">
               <a:ln>
@@ -809,7 +809,7 @@
                 <a:tabLst/>
                 <a:defRPr/>
               </a:pPr>
-              <a:t>2018/12/2</a:t>
+              <a:t>2018/12/25</a:t>
             </a:fld>
             <a:endParaRPr kumimoji="0" lang="zh-CN" altLang="en-US" sz="1200" b="0" i="0" u="none" strike="noStrike" kern="1200" cap="none" spc="0" normalizeH="0" baseline="0" noProof="0">
               <a:ln>
@@ -1167,7 +1167,7 @@
                 <a:tabLst/>
                 <a:defRPr/>
               </a:pPr>
-              <a:t>2018/12/2</a:t>
+              <a:t>2018/12/25</a:t>
             </a:fld>
             <a:endParaRPr kumimoji="0" lang="zh-CN" altLang="en-US" sz="1200" b="0" i="0" u="none" strike="noStrike" kern="1200" cap="none" spc="0" normalizeH="0" baseline="0" noProof="0">
               <a:ln>
@@ -1535,7 +1535,7 @@
                 <a:tabLst/>
                 <a:defRPr/>
               </a:pPr>
-              <a:t>2018/12/2</a:t>
+              <a:t>2018/12/25</a:t>
             </a:fld>
             <a:endParaRPr kumimoji="0" lang="zh-CN" altLang="en-US" sz="1200" b="0" i="0" u="none" strike="noStrike" kern="1200" cap="none" spc="0" normalizeH="0" baseline="0" noProof="0">
               <a:ln>
@@ -1915,7 +1915,7 @@
                 <a:tabLst/>
                 <a:defRPr/>
               </a:pPr>
-              <a:t>2018/12/2</a:t>
+              <a:t>2018/12/25</a:t>
             </a:fld>
             <a:endParaRPr kumimoji="0" lang="zh-CN" altLang="en-US" sz="1200" b="0" i="0" u="none" strike="noStrike" kern="1200" cap="none" spc="0" normalizeH="0" baseline="0" noProof="0">
               <a:ln>
@@ -2273,7 +2273,7 @@
                 <a:tabLst/>
                 <a:defRPr/>
               </a:pPr>
-              <a:t>2018/12/2</a:t>
+              <a:t>2018/12/25</a:t>
             </a:fld>
             <a:endParaRPr kumimoji="0" lang="zh-CN" altLang="en-US" sz="1200" b="0" i="0" u="none" strike="noStrike" kern="1200" cap="none" spc="0" normalizeH="0" baseline="0" noProof="0">
               <a:ln>
@@ -2708,7 +2708,7 @@
                 <a:tabLst/>
                 <a:defRPr/>
               </a:pPr>
-              <a:t>2018/12/2</a:t>
+              <a:t>2018/12/25</a:t>
             </a:fld>
             <a:endParaRPr kumimoji="0" lang="zh-CN" altLang="en-US" sz="1200" b="0" i="0" u="none" strike="noStrike" kern="1200" cap="none" spc="0" normalizeH="0" baseline="0" noProof="0">
               <a:ln>
@@ -3133,7 +3133,7 @@
                 <a:tabLst/>
                 <a:defRPr/>
               </a:pPr>
-              <a:t>2018/12/2</a:t>
+              <a:t>2018/12/25</a:t>
             </a:fld>
             <a:endParaRPr kumimoji="0" lang="zh-CN" altLang="en-US" sz="1200" b="0" i="0" u="none" strike="noStrike" kern="1200" cap="none" spc="0" normalizeH="0" baseline="0" noProof="0">
               <a:ln>
@@ -3705,7 +3705,7 @@
                 <a:tabLst/>
                 <a:defRPr/>
               </a:pPr>
-              <a:t>2018/12/2</a:t>
+              <a:t>2018/12/25</a:t>
             </a:fld>
             <a:endParaRPr kumimoji="0" lang="zh-CN" altLang="en-US" sz="1200" b="0" i="0" u="none" strike="noStrike" kern="1200" cap="none" spc="0" normalizeH="0" baseline="0" noProof="0">
               <a:ln>
@@ -4006,7 +4006,7 @@
                 <a:tabLst/>
                 <a:defRPr/>
               </a:pPr>
-              <a:t>2018/12/2</a:t>
+              <a:t>2018/12/25</a:t>
             </a:fld>
             <a:endParaRPr kumimoji="0" lang="zh-CN" altLang="en-US" sz="1200" b="0" i="0" u="none" strike="noStrike" kern="1200" cap="none" spc="0" normalizeH="0" baseline="0" noProof="0">
               <a:ln>
@@ -4279,7 +4279,7 @@
                 <a:tabLst/>
                 <a:defRPr/>
               </a:pPr>
-              <a:t>2018/12/2</a:t>
+              <a:t>2018/12/25</a:t>
             </a:fld>
             <a:endParaRPr kumimoji="0" lang="zh-CN" altLang="en-US" sz="1200" b="0" i="0" u="none" strike="noStrike" kern="1200" cap="none" spc="0" normalizeH="0" baseline="0" noProof="0">
               <a:ln>
@@ -4750,7 +4750,7 @@
                 <a:tabLst/>
                 <a:defRPr/>
               </a:pPr>
-              <a:t>2018/12/2</a:t>
+              <a:t>2018/12/25</a:t>
             </a:fld>
             <a:endParaRPr kumimoji="0" lang="zh-CN" altLang="en-US" sz="1200" b="0" i="0" u="none" strike="noStrike" kern="1200" cap="none" spc="0" normalizeH="0" baseline="0" noProof="0">
               <a:ln>
@@ -5108,7 +5108,7 @@
                 <a:tabLst/>
                 <a:defRPr/>
               </a:pPr>
-              <a:t>2018/12/2</a:t>
+              <a:t>2018/12/25</a:t>
             </a:fld>
             <a:endParaRPr kumimoji="0" lang="zh-CN" altLang="en-US" sz="1200" b="0" i="0" u="none" strike="noStrike" kern="1200" cap="none" spc="0" normalizeH="0" baseline="0" noProof="0">
               <a:ln>
@@ -5556,7 +5556,7 @@
                 <a:tabLst/>
                 <a:defRPr/>
               </a:pPr>
-              <a:t>2018/12/2</a:t>
+              <a:t>2018/12/25</a:t>
             </a:fld>
             <a:endParaRPr kumimoji="0" lang="zh-CN" altLang="en-US" sz="1200" b="0" i="0" u="none" strike="noStrike" kern="1200" cap="none" spc="0" normalizeH="0" baseline="0" noProof="0">
               <a:ln>
@@ -5914,7 +5914,7 @@
                 <a:tabLst/>
                 <a:defRPr/>
               </a:pPr>
-              <a:t>2018/12/2</a:t>
+              <a:t>2018/12/25</a:t>
             </a:fld>
             <a:endParaRPr kumimoji="0" lang="zh-CN" altLang="en-US" sz="1200" b="0" i="0" u="none" strike="noStrike" kern="1200" cap="none" spc="0" normalizeH="0" baseline="0" noProof="0">
               <a:ln>
@@ -6282,7 +6282,7 @@
                 <a:tabLst/>
                 <a:defRPr/>
               </a:pPr>
-              <a:t>2018/12/2</a:t>
+              <a:t>2018/12/25</a:t>
             </a:fld>
             <a:endParaRPr kumimoji="0" lang="zh-CN" altLang="en-US" sz="1200" b="0" i="0" u="none" strike="noStrike" kern="1200" cap="none" spc="0" normalizeH="0" baseline="0" noProof="0">
               <a:ln>
@@ -6717,7 +6717,7 @@
                 <a:tabLst/>
                 <a:defRPr/>
               </a:pPr>
-              <a:t>2018/12/2</a:t>
+              <a:t>2018/12/25</a:t>
             </a:fld>
             <a:endParaRPr kumimoji="0" lang="zh-CN" altLang="en-US" sz="1200" b="0" i="0" u="none" strike="noStrike" kern="1200" cap="none" spc="0" normalizeH="0" baseline="0" noProof="0">
               <a:ln>
@@ -7142,7 +7142,7 @@
                 <a:tabLst/>
                 <a:defRPr/>
               </a:pPr>
-              <a:t>2018/12/2</a:t>
+              <a:t>2018/12/25</a:t>
             </a:fld>
             <a:endParaRPr kumimoji="0" lang="zh-CN" altLang="en-US" sz="1200" b="0" i="0" u="none" strike="noStrike" kern="1200" cap="none" spc="0" normalizeH="0" baseline="0" noProof="0">
               <a:ln>
@@ -7714,7 +7714,7 @@
                 <a:tabLst/>
                 <a:defRPr/>
               </a:pPr>
-              <a:t>2018/12/2</a:t>
+              <a:t>2018/12/25</a:t>
             </a:fld>
             <a:endParaRPr kumimoji="0" lang="zh-CN" altLang="en-US" sz="1200" b="0" i="0" u="none" strike="noStrike" kern="1200" cap="none" spc="0" normalizeH="0" baseline="0" noProof="0">
               <a:ln>
@@ -8015,7 +8015,7 @@
                 <a:tabLst/>
                 <a:defRPr/>
               </a:pPr>
-              <a:t>2018/12/2</a:t>
+              <a:t>2018/12/25</a:t>
             </a:fld>
             <a:endParaRPr kumimoji="0" lang="zh-CN" altLang="en-US" sz="1200" b="0" i="0" u="none" strike="noStrike" kern="1200" cap="none" spc="0" normalizeH="0" baseline="0" noProof="0">
               <a:ln>
@@ -8288,7 +8288,7 @@
                 <a:tabLst/>
                 <a:defRPr/>
               </a:pPr>
-              <a:t>2018/12/2</a:t>
+              <a:t>2018/12/25</a:t>
             </a:fld>
             <a:endParaRPr kumimoji="0" lang="zh-CN" altLang="en-US" sz="1200" b="0" i="0" u="none" strike="noStrike" kern="1200" cap="none" spc="0" normalizeH="0" baseline="0" noProof="0">
               <a:ln>
@@ -8759,7 +8759,7 @@
                 <a:tabLst/>
                 <a:defRPr/>
               </a:pPr>
-              <a:t>2018/12/2</a:t>
+              <a:t>2018/12/25</a:t>
             </a:fld>
             <a:endParaRPr kumimoji="0" lang="zh-CN" altLang="en-US" sz="1200" b="0" i="0" u="none" strike="noStrike" kern="1200" cap="none" spc="0" normalizeH="0" baseline="0" noProof="0">
               <a:ln>
@@ -9207,7 +9207,7 @@
                 <a:tabLst/>
                 <a:defRPr/>
               </a:pPr>
-              <a:t>2018/12/2</a:t>
+              <a:t>2018/12/25</a:t>
             </a:fld>
             <a:endParaRPr kumimoji="0" lang="zh-CN" altLang="en-US" sz="1200" b="0" i="0" u="none" strike="noStrike" kern="1200" cap="none" spc="0" normalizeH="0" baseline="0" noProof="0">
               <a:ln>
@@ -9608,7 +9608,7 @@
                 <a:tabLst/>
                 <a:defRPr/>
               </a:pPr>
-              <a:t>2018/12/2</a:t>
+              <a:t>2018/12/25</a:t>
             </a:fld>
             <a:endParaRPr kumimoji="0" lang="zh-CN" altLang="en-US" sz="1200" b="0" i="0" u="none" strike="noStrike" kern="1200" cap="none" spc="0" normalizeH="0" baseline="0" noProof="0">
               <a:ln>
@@ -10336,7 +10336,7 @@
                 <a:tabLst/>
                 <a:defRPr/>
               </a:pPr>
-              <a:t>2018/12/2</a:t>
+              <a:t>2018/12/25</a:t>
             </a:fld>
             <a:endParaRPr kumimoji="0" lang="zh-CN" altLang="en-US" sz="1200" b="0" i="0" u="none" strike="noStrike" kern="1200" cap="none" spc="0" normalizeH="0" baseline="0" noProof="0">
               <a:ln>
@@ -11464,10 +11464,6 @@
           </a:bodyPr>
           <a:lstStyle/>
           <a:p>
-            <a:r>
-              <a:rPr lang="en-US" altLang="zh-CN" dirty="0"/>
-              <a:t>0</a:t>
-            </a:r>
             <a:r>
               <a:rPr lang="en-US" altLang="zh-CN" dirty="0" smtClean="0"/>
               <a:t> </a:t>
@@ -12382,6 +12378,2098 @@
           <a:chExt cx="0" cy="0"/>
         </a:xfrm>
       </p:grpSpPr>
+      <p:sp>
+        <p:nvSpPr>
+          <p:cNvPr id="2" name="标题 1">
+            <a:extLst>
+              <a:ext uri="{FF2B5EF4-FFF2-40B4-BE49-F238E27FC236}">
+                <a16:creationId xmlns:a16="http://schemas.microsoft.com/office/drawing/2014/main" id="{B34009C7-0447-4059-AB96-5D748325252A}"/>
+              </a:ext>
+            </a:extLst>
+          </p:cNvPr>
+          <p:cNvSpPr>
+            <a:spLocks noGrp="1"/>
+          </p:cNvSpPr>
+          <p:nvPr>
+            <p:ph type="title"/>
+          </p:nvPr>
+        </p:nvSpPr>
+        <p:spPr>
+          <a:xfrm>
+            <a:off x="124076" y="-39243"/>
+            <a:ext cx="10515600" cy="1325563"/>
+          </a:xfrm>
+        </p:spPr>
+        <p:txBody>
+          <a:bodyPr/>
+          <a:lstStyle/>
+          <a:p>
+            <a:r>
+              <a:rPr lang="zh-CN" altLang="en-US" dirty="0"/>
+              <a:t>关闭文件</a:t>
+            </a:r>
+          </a:p>
+        </p:txBody>
+      </p:sp>
+      <p:pic>
+        <p:nvPicPr>
+          <p:cNvPr id="9" name="图片 8">
+            <a:extLst>
+              <a:ext uri="{FF2B5EF4-FFF2-40B4-BE49-F238E27FC236}">
+                <a16:creationId xmlns:a16="http://schemas.microsoft.com/office/drawing/2014/main" id="{1C20E705-873A-4677-88B3-A758D50AFC9E}"/>
+              </a:ext>
+            </a:extLst>
+          </p:cNvPr>
+          <p:cNvPicPr>
+            <a:picLocks noChangeAspect="1"/>
+          </p:cNvPicPr>
+          <p:nvPr/>
+        </p:nvPicPr>
+        <p:blipFill>
+          <a:blip r:embed="rId3"/>
+          <a:stretch>
+            <a:fillRect/>
+          </a:stretch>
+        </p:blipFill>
+        <p:spPr>
+          <a:xfrm>
+            <a:off x="1522418" y="630870"/>
+            <a:ext cx="1488063" cy="4350510"/>
+          </a:xfrm>
+          <a:prstGeom prst="rect">
+            <a:avLst/>
+          </a:prstGeom>
+        </p:spPr>
+      </p:pic>
+      <p:pic>
+        <p:nvPicPr>
+          <p:cNvPr id="10" name="图片 9"/>
+          <p:cNvPicPr>
+            <a:picLocks noChangeAspect="1"/>
+          </p:cNvPicPr>
+          <p:nvPr/>
+        </p:nvPicPr>
+        <p:blipFill>
+          <a:blip r:embed="rId4"/>
+          <a:stretch>
+            <a:fillRect/>
+          </a:stretch>
+        </p:blipFill>
+        <p:spPr>
+          <a:xfrm>
+            <a:off x="2849646" y="1924807"/>
+            <a:ext cx="990647" cy="109200"/>
+          </a:xfrm>
+          <a:prstGeom prst="rect">
+            <a:avLst/>
+          </a:prstGeom>
+        </p:spPr>
+      </p:pic>
+      <p:pic>
+        <p:nvPicPr>
+          <p:cNvPr id="11" name="图片 10"/>
+          <p:cNvPicPr>
+            <a:picLocks noChangeAspect="1"/>
+          </p:cNvPicPr>
+          <p:nvPr/>
+        </p:nvPicPr>
+        <p:blipFill>
+          <a:blip r:embed="rId5"/>
+          <a:stretch>
+            <a:fillRect/>
+          </a:stretch>
+        </p:blipFill>
+        <p:spPr>
+          <a:xfrm>
+            <a:off x="3840293" y="1299023"/>
+            <a:ext cx="6954290" cy="922874"/>
+          </a:xfrm>
+          <a:prstGeom prst="rect">
+            <a:avLst/>
+          </a:prstGeom>
+        </p:spPr>
+      </p:pic>
+      <p:pic>
+        <p:nvPicPr>
+          <p:cNvPr id="13" name="图片 12"/>
+          <p:cNvPicPr>
+            <a:picLocks noChangeAspect="1"/>
+          </p:cNvPicPr>
+          <p:nvPr/>
+        </p:nvPicPr>
+        <p:blipFill>
+          <a:blip r:embed="rId6"/>
+          <a:stretch>
+            <a:fillRect/>
+          </a:stretch>
+        </p:blipFill>
+        <p:spPr>
+          <a:xfrm>
+            <a:off x="3955997" y="2129361"/>
+            <a:ext cx="1751984" cy="3505924"/>
+          </a:xfrm>
+          <a:prstGeom prst="rect">
+            <a:avLst/>
+          </a:prstGeom>
+        </p:spPr>
+      </p:pic>
+      <p:pic>
+        <p:nvPicPr>
+          <p:cNvPr id="14" name="图片 13"/>
+          <p:cNvPicPr>
+            <a:picLocks noChangeAspect="1"/>
+          </p:cNvPicPr>
+          <p:nvPr/>
+        </p:nvPicPr>
+        <p:blipFill>
+          <a:blip r:embed="rId7"/>
+          <a:stretch>
+            <a:fillRect/>
+          </a:stretch>
+        </p:blipFill>
+        <p:spPr>
+          <a:xfrm>
+            <a:off x="6030687" y="2424621"/>
+            <a:ext cx="5422799" cy="763008"/>
+          </a:xfrm>
+          <a:prstGeom prst="rect">
+            <a:avLst/>
+          </a:prstGeom>
+        </p:spPr>
+      </p:pic>
+      <p:pic>
+        <p:nvPicPr>
+          <p:cNvPr id="15" name="图片 14"/>
+          <p:cNvPicPr>
+            <a:picLocks noChangeAspect="1"/>
+          </p:cNvPicPr>
+          <p:nvPr/>
+        </p:nvPicPr>
+        <p:blipFill>
+          <a:blip r:embed="rId8"/>
+          <a:stretch>
+            <a:fillRect/>
+          </a:stretch>
+        </p:blipFill>
+        <p:spPr>
+          <a:xfrm>
+            <a:off x="6435083" y="3187629"/>
+            <a:ext cx="2508513" cy="1276973"/>
+          </a:xfrm>
+          <a:prstGeom prst="rect">
+            <a:avLst/>
+          </a:prstGeom>
+        </p:spPr>
+      </p:pic>
+      <p:pic>
+        <p:nvPicPr>
+          <p:cNvPr id="16" name="图片 15"/>
+          <p:cNvPicPr>
+            <a:picLocks noChangeAspect="1"/>
+          </p:cNvPicPr>
+          <p:nvPr/>
+        </p:nvPicPr>
+        <p:blipFill>
+          <a:blip r:embed="rId9"/>
+          <a:stretch>
+            <a:fillRect/>
+          </a:stretch>
+        </p:blipFill>
+        <p:spPr>
+          <a:xfrm>
+            <a:off x="5507996" y="4821780"/>
+            <a:ext cx="1326460" cy="159600"/>
+          </a:xfrm>
+          <a:prstGeom prst="rect">
+            <a:avLst/>
+          </a:prstGeom>
+        </p:spPr>
+      </p:pic>
+      <p:pic>
+        <p:nvPicPr>
+          <p:cNvPr id="17" name="图片 16"/>
+          <p:cNvPicPr>
+            <a:picLocks noChangeAspect="1"/>
+          </p:cNvPicPr>
+          <p:nvPr/>
+        </p:nvPicPr>
+        <p:blipFill>
+          <a:blip r:embed="rId10"/>
+          <a:stretch>
+            <a:fillRect/>
+          </a:stretch>
+        </p:blipFill>
+        <p:spPr>
+          <a:xfrm>
+            <a:off x="6834456" y="4464602"/>
+            <a:ext cx="1115288" cy="2220434"/>
+          </a:xfrm>
+          <a:prstGeom prst="rect">
+            <a:avLst/>
+          </a:prstGeom>
+        </p:spPr>
+      </p:pic>
+      <p:sp>
+        <p:nvSpPr>
+          <p:cNvPr id="18" name="矩形 17"/>
+          <p:cNvSpPr/>
+          <p:nvPr/>
+        </p:nvSpPr>
+        <p:spPr>
+          <a:xfrm>
+            <a:off x="4936705" y="3544807"/>
+            <a:ext cx="1093982" cy="369332"/>
+          </a:xfrm>
+          <a:prstGeom prst="rect">
+            <a:avLst/>
+          </a:prstGeom>
+        </p:spPr>
+        <p:txBody>
+          <a:bodyPr wrap="square">
+            <a:spAutoFit/>
+          </a:bodyPr>
+          <a:lstStyle/>
+          <a:p>
+            <a:r>
+              <a:rPr lang="en-US" altLang="zh-CN" dirty="0" smtClean="0"/>
+              <a:t>577 </a:t>
+            </a:r>
+            <a:endParaRPr lang="zh-CN" altLang="en-US" dirty="0"/>
+          </a:p>
+        </p:txBody>
+      </p:sp>
+      <p:pic>
+        <p:nvPicPr>
+          <p:cNvPr id="19" name="图片 18"/>
+          <p:cNvPicPr>
+            <a:picLocks noChangeAspect="1"/>
+          </p:cNvPicPr>
+          <p:nvPr/>
+        </p:nvPicPr>
+        <p:blipFill>
+          <a:blip r:embed="rId11"/>
+          <a:stretch>
+            <a:fillRect/>
+          </a:stretch>
+        </p:blipFill>
+        <p:spPr>
+          <a:xfrm>
+            <a:off x="3996333" y="5633826"/>
+            <a:ext cx="1751985" cy="468465"/>
+          </a:xfrm>
+          <a:prstGeom prst="rect">
+            <a:avLst/>
+          </a:prstGeom>
+        </p:spPr>
+      </p:pic>
+      <p:sp>
+        <p:nvSpPr>
+          <p:cNvPr id="20" name="矩形 19"/>
+          <p:cNvSpPr/>
+          <p:nvPr/>
+        </p:nvSpPr>
+        <p:spPr>
+          <a:xfrm>
+            <a:off x="5078157" y="5703107"/>
+            <a:ext cx="1093982" cy="369332"/>
+          </a:xfrm>
+          <a:prstGeom prst="rect">
+            <a:avLst/>
+          </a:prstGeom>
+        </p:spPr>
+        <p:txBody>
+          <a:bodyPr wrap="square">
+            <a:spAutoFit/>
+          </a:bodyPr>
+          <a:lstStyle/>
+          <a:p>
+            <a:r>
+              <a:rPr lang="en-US" altLang="zh-CN" dirty="0"/>
+              <a:t>0</a:t>
+            </a:r>
+            <a:r>
+              <a:rPr lang="en-US" altLang="zh-CN" dirty="0" smtClean="0"/>
+              <a:t> </a:t>
+            </a:r>
+            <a:endParaRPr lang="zh-CN" altLang="en-US" dirty="0"/>
+          </a:p>
+        </p:txBody>
+      </p:sp>
+      <p:pic>
+        <p:nvPicPr>
+          <p:cNvPr id="22" name="图片 21"/>
+          <p:cNvPicPr>
+            <a:picLocks noChangeAspect="1"/>
+          </p:cNvPicPr>
+          <p:nvPr/>
+        </p:nvPicPr>
+        <p:blipFill>
+          <a:blip r:embed="rId12"/>
+          <a:stretch>
+            <a:fillRect/>
+          </a:stretch>
+        </p:blipFill>
+        <p:spPr>
+          <a:xfrm>
+            <a:off x="6841614" y="6290370"/>
+            <a:ext cx="1111934" cy="567630"/>
+          </a:xfrm>
+          <a:prstGeom prst="rect">
+            <a:avLst/>
+          </a:prstGeom>
+        </p:spPr>
+      </p:pic>
+      <p:pic>
+        <p:nvPicPr>
+          <p:cNvPr id="23" name="图片 22"/>
+          <p:cNvPicPr>
+            <a:picLocks noChangeAspect="1"/>
+          </p:cNvPicPr>
+          <p:nvPr/>
+        </p:nvPicPr>
+        <p:blipFill>
+          <a:blip r:embed="rId13"/>
+          <a:stretch>
+            <a:fillRect/>
+          </a:stretch>
+        </p:blipFill>
+        <p:spPr>
+          <a:xfrm>
+            <a:off x="6841614" y="5306019"/>
+            <a:ext cx="553439" cy="347522"/>
+          </a:xfrm>
+          <a:prstGeom prst="rect">
+            <a:avLst/>
+          </a:prstGeom>
+        </p:spPr>
+      </p:pic>
+      <p:sp>
+        <p:nvSpPr>
+          <p:cNvPr id="24" name="矩形 23"/>
+          <p:cNvSpPr/>
+          <p:nvPr/>
+        </p:nvSpPr>
+        <p:spPr>
+          <a:xfrm>
+            <a:off x="7392100" y="5258541"/>
+            <a:ext cx="550151" cy="369332"/>
+          </a:xfrm>
+          <a:prstGeom prst="rect">
+            <a:avLst/>
+          </a:prstGeom>
+        </p:spPr>
+        <p:txBody>
+          <a:bodyPr wrap="none">
+            <a:spAutoFit/>
+          </a:bodyPr>
+          <a:lstStyle/>
+          <a:p>
+            <a:r>
+              <a:rPr lang="zh-CN" altLang="en-US" dirty="0" smtClean="0"/>
+              <a:t>769</a:t>
+            </a:r>
+            <a:endParaRPr lang="zh-CN" altLang="en-US" dirty="0"/>
+          </a:p>
+        </p:txBody>
+      </p:sp>
+      <p:sp>
+        <p:nvSpPr>
+          <p:cNvPr id="25" name="矩形 24"/>
+          <p:cNvSpPr/>
+          <p:nvPr/>
+        </p:nvSpPr>
+        <p:spPr>
+          <a:xfrm>
+            <a:off x="7392100" y="6181459"/>
+            <a:ext cx="1402948" cy="369332"/>
+          </a:xfrm>
+          <a:prstGeom prst="rect">
+            <a:avLst/>
+          </a:prstGeom>
+        </p:spPr>
+        <p:txBody>
+          <a:bodyPr wrap="none">
+            <a:spAutoFit/>
+          </a:bodyPr>
+          <a:lstStyle/>
+          <a:p>
+            <a:r>
+              <a:rPr lang="zh-CN" altLang="en-US" dirty="0" smtClean="0"/>
+              <a:t>1543243302</a:t>
+            </a:r>
+            <a:endParaRPr lang="zh-CN" altLang="en-US" dirty="0"/>
+          </a:p>
+        </p:txBody>
+      </p:sp>
+      <p:sp>
+        <p:nvSpPr>
+          <p:cNvPr id="26" name="矩形 25"/>
+          <p:cNvSpPr/>
+          <p:nvPr/>
+        </p:nvSpPr>
+        <p:spPr>
+          <a:xfrm flipH="1">
+            <a:off x="7481935" y="6487565"/>
+            <a:ext cx="467809" cy="369332"/>
+          </a:xfrm>
+          <a:prstGeom prst="rect">
+            <a:avLst/>
+          </a:prstGeom>
+        </p:spPr>
+        <p:txBody>
+          <a:bodyPr wrap="square">
+            <a:spAutoFit/>
+          </a:bodyPr>
+          <a:lstStyle/>
+          <a:p>
+            <a:r>
+              <a:rPr lang="en-US" altLang="zh-CN" dirty="0" smtClean="0"/>
+              <a:t>1</a:t>
+            </a:r>
+            <a:endParaRPr lang="zh-CN" altLang="en-US" dirty="0"/>
+          </a:p>
+        </p:txBody>
+      </p:sp>
+      <p:sp>
+        <p:nvSpPr>
+          <p:cNvPr id="28" name="矩形 27"/>
+          <p:cNvSpPr/>
+          <p:nvPr/>
+        </p:nvSpPr>
+        <p:spPr>
+          <a:xfrm>
+            <a:off x="3997641" y="6208083"/>
+            <a:ext cx="2768471" cy="369332"/>
+          </a:xfrm>
+          <a:prstGeom prst="rect">
+            <a:avLst/>
+          </a:prstGeom>
+        </p:spPr>
+        <p:txBody>
+          <a:bodyPr wrap="square">
+            <a:spAutoFit/>
+          </a:bodyPr>
+          <a:lstStyle/>
+          <a:p>
+            <a:r>
+              <a:rPr lang="en-US" altLang="zh-CN" dirty="0" err="1" smtClean="0"/>
+              <a:t>Pos</a:t>
+            </a:r>
+            <a:r>
+              <a:rPr lang="en-US" altLang="zh-CN" dirty="0" smtClean="0"/>
+              <a:t>/</a:t>
+            </a:r>
+            <a:r>
+              <a:rPr lang="en-US" altLang="zh-CN" dirty="0" err="1" smtClean="0"/>
+              <a:t>block_size</a:t>
+            </a:r>
+            <a:r>
+              <a:rPr lang="en-US" altLang="zh-CN" dirty="0" smtClean="0"/>
+              <a:t> </a:t>
+            </a:r>
+            <a:endParaRPr lang="zh-CN" altLang="en-US" dirty="0"/>
+          </a:p>
+        </p:txBody>
+      </p:sp>
+      <p:sp>
+        <p:nvSpPr>
+          <p:cNvPr id="29" name="矩形 28"/>
+          <p:cNvSpPr/>
+          <p:nvPr/>
+        </p:nvSpPr>
+        <p:spPr>
+          <a:xfrm>
+            <a:off x="7409911" y="5621928"/>
+            <a:ext cx="1093982" cy="369332"/>
+          </a:xfrm>
+          <a:prstGeom prst="rect">
+            <a:avLst/>
+          </a:prstGeom>
+        </p:spPr>
+        <p:txBody>
+          <a:bodyPr wrap="square">
+            <a:spAutoFit/>
+          </a:bodyPr>
+          <a:lstStyle/>
+          <a:p>
+            <a:r>
+              <a:rPr lang="en-US" altLang="zh-CN" dirty="0" smtClean="0"/>
+              <a:t> </a:t>
+            </a:r>
+            <a:endParaRPr lang="zh-CN" altLang="en-US" dirty="0"/>
+          </a:p>
+        </p:txBody>
+      </p:sp>
+      <p:sp>
+        <p:nvSpPr>
+          <p:cNvPr id="51" name="矩形 50"/>
+          <p:cNvSpPr/>
+          <p:nvPr/>
+        </p:nvSpPr>
+        <p:spPr>
+          <a:xfrm>
+            <a:off x="5138903" y="3869633"/>
+            <a:ext cx="1093982" cy="369332"/>
+          </a:xfrm>
+          <a:prstGeom prst="rect">
+            <a:avLst/>
+          </a:prstGeom>
+        </p:spPr>
+        <p:txBody>
+          <a:bodyPr wrap="square">
+            <a:spAutoFit/>
+          </a:bodyPr>
+          <a:lstStyle/>
+          <a:p>
+            <a:r>
+              <a:rPr lang="en-US" altLang="zh-CN" dirty="0"/>
+              <a:t>0</a:t>
+            </a:r>
+            <a:r>
+              <a:rPr lang="en-US" altLang="zh-CN" dirty="0" smtClean="0"/>
+              <a:t> </a:t>
+            </a:r>
+            <a:endParaRPr lang="zh-CN" altLang="en-US" dirty="0"/>
+          </a:p>
+        </p:txBody>
+      </p:sp>
+    </p:spTree>
+    <p:extLst>
+      <p:ext uri="{BB962C8B-B14F-4D97-AF65-F5344CB8AC3E}">
+        <p14:creationId xmlns:p14="http://schemas.microsoft.com/office/powerpoint/2010/main" val="293321722"/>
+      </p:ext>
+    </p:extLst>
+  </p:cSld>
+  <p:clrMapOvr>
+    <a:masterClrMapping/>
+  </p:clrMapOvr>
+  <p:timing>
+    <p:tnLst>
+      <p:par>
+        <p:cTn id="1" dur="indefinite" restart="never" nodeType="tmRoot">
+          <p:childTnLst>
+            <p:seq concurrent="1" nextAc="seek">
+              <p:cTn id="2" dur="indefinite" nodeType="mainSeq">
+                <p:childTnLst>
+                  <p:par>
+                    <p:cTn id="3" fill="hold">
+                      <p:stCondLst>
+                        <p:cond delay="indefinite"/>
+                      </p:stCondLst>
+                      <p:childTnLst>
+                        <p:par>
+                          <p:cTn id="4" fill="hold">
+                            <p:stCondLst>
+                              <p:cond delay="0"/>
+                            </p:stCondLst>
+                            <p:childTnLst>
+                              <p:par>
+                                <p:cTn id="5" presetID="1" presetClass="entr" presetSubtype="0" fill="hold" nodeType="clickEffect">
+                                  <p:stCondLst>
+                                    <p:cond delay="0"/>
+                                  </p:stCondLst>
+                                  <p:childTnLst>
+                                    <p:set>
+                                      <p:cBhvr>
+                                        <p:cTn id="6" dur="1" fill="hold">
+                                          <p:stCondLst>
+                                            <p:cond delay="0"/>
+                                          </p:stCondLst>
+                                        </p:cTn>
+                                        <p:tgtEl>
+                                          <p:spTgt spid="9"/>
+                                        </p:tgtEl>
+                                        <p:attrNameLst>
+                                          <p:attrName>style.visibility</p:attrName>
+                                        </p:attrNameLst>
+                                      </p:cBhvr>
+                                      <p:to>
+                                        <p:strVal val="visible"/>
+                                      </p:to>
+                                    </p:set>
+                                  </p:childTnLst>
+                                </p:cTn>
+                              </p:par>
+                              <p:par>
+                                <p:cTn id="7" presetID="1" presetClass="entr" presetSubtype="0" fill="hold" nodeType="withEffect">
+                                  <p:stCondLst>
+                                    <p:cond delay="0"/>
+                                  </p:stCondLst>
+                                  <p:childTnLst>
+                                    <p:set>
+                                      <p:cBhvr>
+                                        <p:cTn id="8" dur="1" fill="hold">
+                                          <p:stCondLst>
+                                            <p:cond delay="0"/>
+                                          </p:stCondLst>
+                                        </p:cTn>
+                                        <p:tgtEl>
+                                          <p:spTgt spid="10"/>
+                                        </p:tgtEl>
+                                        <p:attrNameLst>
+                                          <p:attrName>style.visibility</p:attrName>
+                                        </p:attrNameLst>
+                                      </p:cBhvr>
+                                      <p:to>
+                                        <p:strVal val="visible"/>
+                                      </p:to>
+                                    </p:set>
+                                  </p:childTnLst>
+                                </p:cTn>
+                              </p:par>
+                              <p:par>
+                                <p:cTn id="9" presetID="1" presetClass="entr" presetSubtype="0" fill="hold" nodeType="withEffect">
+                                  <p:stCondLst>
+                                    <p:cond delay="0"/>
+                                  </p:stCondLst>
+                                  <p:childTnLst>
+                                    <p:set>
+                                      <p:cBhvr>
+                                        <p:cTn id="10" dur="1" fill="hold">
+                                          <p:stCondLst>
+                                            <p:cond delay="0"/>
+                                          </p:stCondLst>
+                                        </p:cTn>
+                                        <p:tgtEl>
+                                          <p:spTgt spid="11"/>
+                                        </p:tgtEl>
+                                        <p:attrNameLst>
+                                          <p:attrName>style.visibility</p:attrName>
+                                        </p:attrNameLst>
+                                      </p:cBhvr>
+                                      <p:to>
+                                        <p:strVal val="visible"/>
+                                      </p:to>
+                                    </p:set>
+                                  </p:childTnLst>
+                                </p:cTn>
+                              </p:par>
+                              <p:par>
+                                <p:cTn id="11" presetID="1" presetClass="entr" presetSubtype="0" fill="hold" nodeType="withEffect">
+                                  <p:stCondLst>
+                                    <p:cond delay="0"/>
+                                  </p:stCondLst>
+                                  <p:childTnLst>
+                                    <p:set>
+                                      <p:cBhvr>
+                                        <p:cTn id="12" dur="1" fill="hold">
+                                          <p:stCondLst>
+                                            <p:cond delay="0"/>
+                                          </p:stCondLst>
+                                        </p:cTn>
+                                        <p:tgtEl>
+                                          <p:spTgt spid="13"/>
+                                        </p:tgtEl>
+                                        <p:attrNameLst>
+                                          <p:attrName>style.visibility</p:attrName>
+                                        </p:attrNameLst>
+                                      </p:cBhvr>
+                                      <p:to>
+                                        <p:strVal val="visible"/>
+                                      </p:to>
+                                    </p:set>
+                                  </p:childTnLst>
+                                </p:cTn>
+                              </p:par>
+                              <p:par>
+                                <p:cTn id="13" presetID="1" presetClass="entr" presetSubtype="0" fill="hold" nodeType="withEffect">
+                                  <p:stCondLst>
+                                    <p:cond delay="0"/>
+                                  </p:stCondLst>
+                                  <p:childTnLst>
+                                    <p:set>
+                                      <p:cBhvr>
+                                        <p:cTn id="14" dur="1" fill="hold">
+                                          <p:stCondLst>
+                                            <p:cond delay="0"/>
+                                          </p:stCondLst>
+                                        </p:cTn>
+                                        <p:tgtEl>
+                                          <p:spTgt spid="19"/>
+                                        </p:tgtEl>
+                                        <p:attrNameLst>
+                                          <p:attrName>style.visibility</p:attrName>
+                                        </p:attrNameLst>
+                                      </p:cBhvr>
+                                      <p:to>
+                                        <p:strVal val="visible"/>
+                                      </p:to>
+                                    </p:set>
+                                  </p:childTnLst>
+                                </p:cTn>
+                              </p:par>
+                              <p:par>
+                                <p:cTn id="15" presetID="1" presetClass="entr" presetSubtype="0" fill="hold" nodeType="withEffect">
+                                  <p:stCondLst>
+                                    <p:cond delay="0"/>
+                                  </p:stCondLst>
+                                  <p:childTnLst>
+                                    <p:set>
+                                      <p:cBhvr>
+                                        <p:cTn id="16" dur="1" fill="hold">
+                                          <p:stCondLst>
+                                            <p:cond delay="0"/>
+                                          </p:stCondLst>
+                                        </p:cTn>
+                                        <p:tgtEl>
+                                          <p:spTgt spid="14"/>
+                                        </p:tgtEl>
+                                        <p:attrNameLst>
+                                          <p:attrName>style.visibility</p:attrName>
+                                        </p:attrNameLst>
+                                      </p:cBhvr>
+                                      <p:to>
+                                        <p:strVal val="visible"/>
+                                      </p:to>
+                                    </p:set>
+                                  </p:childTnLst>
+                                </p:cTn>
+                              </p:par>
+                              <p:par>
+                                <p:cTn id="17" presetID="1" presetClass="entr" presetSubtype="0" fill="hold" nodeType="withEffect">
+                                  <p:stCondLst>
+                                    <p:cond delay="0"/>
+                                  </p:stCondLst>
+                                  <p:childTnLst>
+                                    <p:set>
+                                      <p:cBhvr>
+                                        <p:cTn id="18" dur="1" fill="hold">
+                                          <p:stCondLst>
+                                            <p:cond delay="0"/>
+                                          </p:stCondLst>
+                                        </p:cTn>
+                                        <p:tgtEl>
+                                          <p:spTgt spid="15"/>
+                                        </p:tgtEl>
+                                        <p:attrNameLst>
+                                          <p:attrName>style.visibility</p:attrName>
+                                        </p:attrNameLst>
+                                      </p:cBhvr>
+                                      <p:to>
+                                        <p:strVal val="visible"/>
+                                      </p:to>
+                                    </p:set>
+                                  </p:childTnLst>
+                                </p:cTn>
+                              </p:par>
+                              <p:par>
+                                <p:cTn id="19" presetID="1" presetClass="entr" presetSubtype="0" fill="hold" nodeType="withEffect">
+                                  <p:stCondLst>
+                                    <p:cond delay="0"/>
+                                  </p:stCondLst>
+                                  <p:childTnLst>
+                                    <p:set>
+                                      <p:cBhvr>
+                                        <p:cTn id="20" dur="1" fill="hold">
+                                          <p:stCondLst>
+                                            <p:cond delay="0"/>
+                                          </p:stCondLst>
+                                        </p:cTn>
+                                        <p:tgtEl>
+                                          <p:spTgt spid="17"/>
+                                        </p:tgtEl>
+                                        <p:attrNameLst>
+                                          <p:attrName>style.visibility</p:attrName>
+                                        </p:attrNameLst>
+                                      </p:cBhvr>
+                                      <p:to>
+                                        <p:strVal val="visible"/>
+                                      </p:to>
+                                    </p:set>
+                                  </p:childTnLst>
+                                </p:cTn>
+                              </p:par>
+                              <p:par>
+                                <p:cTn id="21" presetID="1" presetClass="entr" presetSubtype="0" fill="hold" nodeType="withEffect">
+                                  <p:stCondLst>
+                                    <p:cond delay="0"/>
+                                  </p:stCondLst>
+                                  <p:childTnLst>
+                                    <p:set>
+                                      <p:cBhvr>
+                                        <p:cTn id="22" dur="1" fill="hold">
+                                          <p:stCondLst>
+                                            <p:cond delay="0"/>
+                                          </p:stCondLst>
+                                        </p:cTn>
+                                        <p:tgtEl>
+                                          <p:spTgt spid="22"/>
+                                        </p:tgtEl>
+                                        <p:attrNameLst>
+                                          <p:attrName>style.visibility</p:attrName>
+                                        </p:attrNameLst>
+                                      </p:cBhvr>
+                                      <p:to>
+                                        <p:strVal val="visible"/>
+                                      </p:to>
+                                    </p:set>
+                                  </p:childTnLst>
+                                </p:cTn>
+                              </p:par>
+                              <p:par>
+                                <p:cTn id="23" presetID="1" presetClass="entr" presetSubtype="0" fill="hold" nodeType="withEffect">
+                                  <p:stCondLst>
+                                    <p:cond delay="0"/>
+                                  </p:stCondLst>
+                                  <p:childTnLst>
+                                    <p:set>
+                                      <p:cBhvr>
+                                        <p:cTn id="24" dur="1" fill="hold">
+                                          <p:stCondLst>
+                                            <p:cond delay="0"/>
+                                          </p:stCondLst>
+                                        </p:cTn>
+                                        <p:tgtEl>
+                                          <p:spTgt spid="23"/>
+                                        </p:tgtEl>
+                                        <p:attrNameLst>
+                                          <p:attrName>style.visibility</p:attrName>
+                                        </p:attrNameLst>
+                                      </p:cBhvr>
+                                      <p:to>
+                                        <p:strVal val="visible"/>
+                                      </p:to>
+                                    </p:set>
+                                  </p:childTnLst>
+                                </p:cTn>
+                              </p:par>
+                              <p:par>
+                                <p:cTn id="25" presetID="1" presetClass="entr" presetSubtype="0" fill="hold" grpId="0" nodeType="withEffect">
+                                  <p:stCondLst>
+                                    <p:cond delay="0"/>
+                                  </p:stCondLst>
+                                  <p:childTnLst>
+                                    <p:set>
+                                      <p:cBhvr>
+                                        <p:cTn id="26" dur="1" fill="hold">
+                                          <p:stCondLst>
+                                            <p:cond delay="0"/>
+                                          </p:stCondLst>
+                                        </p:cTn>
+                                        <p:tgtEl>
+                                          <p:spTgt spid="24"/>
+                                        </p:tgtEl>
+                                        <p:attrNameLst>
+                                          <p:attrName>style.visibility</p:attrName>
+                                        </p:attrNameLst>
+                                      </p:cBhvr>
+                                      <p:to>
+                                        <p:strVal val="visible"/>
+                                      </p:to>
+                                    </p:set>
+                                  </p:childTnLst>
+                                </p:cTn>
+                              </p:par>
+                              <p:par>
+                                <p:cTn id="27" presetID="1" presetClass="entr" presetSubtype="0" fill="hold" nodeType="withEffect">
+                                  <p:stCondLst>
+                                    <p:cond delay="0"/>
+                                  </p:stCondLst>
+                                  <p:childTnLst>
+                                    <p:set>
+                                      <p:cBhvr>
+                                        <p:cTn id="28" dur="1" fill="hold">
+                                          <p:stCondLst>
+                                            <p:cond delay="0"/>
+                                          </p:stCondLst>
+                                        </p:cTn>
+                                        <p:tgtEl>
+                                          <p:spTgt spid="16"/>
+                                        </p:tgtEl>
+                                        <p:attrNameLst>
+                                          <p:attrName>style.visibility</p:attrName>
+                                        </p:attrNameLst>
+                                      </p:cBhvr>
+                                      <p:to>
+                                        <p:strVal val="visible"/>
+                                      </p:to>
+                                    </p:set>
+                                  </p:childTnLst>
+                                </p:cTn>
+                              </p:par>
+                              <p:par>
+                                <p:cTn id="29" presetID="1" presetClass="entr" presetSubtype="0" fill="hold" grpId="0" nodeType="withEffect">
+                                  <p:stCondLst>
+                                    <p:cond delay="0"/>
+                                  </p:stCondLst>
+                                  <p:childTnLst>
+                                    <p:set>
+                                      <p:cBhvr>
+                                        <p:cTn id="30" dur="1" fill="hold">
+                                          <p:stCondLst>
+                                            <p:cond delay="0"/>
+                                          </p:stCondLst>
+                                        </p:cTn>
+                                        <p:tgtEl>
+                                          <p:spTgt spid="18"/>
+                                        </p:tgtEl>
+                                        <p:attrNameLst>
+                                          <p:attrName>style.visibility</p:attrName>
+                                        </p:attrNameLst>
+                                      </p:cBhvr>
+                                      <p:to>
+                                        <p:strVal val="visible"/>
+                                      </p:to>
+                                    </p:set>
+                                  </p:childTnLst>
+                                </p:cTn>
+                              </p:par>
+                              <p:par>
+                                <p:cTn id="31" presetID="1" presetClass="entr" presetSubtype="0" fill="hold" grpId="0" nodeType="withEffect">
+                                  <p:stCondLst>
+                                    <p:cond delay="0"/>
+                                  </p:stCondLst>
+                                  <p:childTnLst>
+                                    <p:set>
+                                      <p:cBhvr>
+                                        <p:cTn id="32" dur="1" fill="hold">
+                                          <p:stCondLst>
+                                            <p:cond delay="0"/>
+                                          </p:stCondLst>
+                                        </p:cTn>
+                                        <p:tgtEl>
+                                          <p:spTgt spid="20"/>
+                                        </p:tgtEl>
+                                        <p:attrNameLst>
+                                          <p:attrName>style.visibility</p:attrName>
+                                        </p:attrNameLst>
+                                      </p:cBhvr>
+                                      <p:to>
+                                        <p:strVal val="visible"/>
+                                      </p:to>
+                                    </p:set>
+                                  </p:childTnLst>
+                                </p:cTn>
+                              </p:par>
+                              <p:par>
+                                <p:cTn id="33" presetID="1" presetClass="entr" presetSubtype="0" fill="hold" grpId="0" nodeType="withEffect">
+                                  <p:stCondLst>
+                                    <p:cond delay="0"/>
+                                  </p:stCondLst>
+                                  <p:childTnLst>
+                                    <p:set>
+                                      <p:cBhvr>
+                                        <p:cTn id="34" dur="1" fill="hold">
+                                          <p:stCondLst>
+                                            <p:cond delay="0"/>
+                                          </p:stCondLst>
+                                        </p:cTn>
+                                        <p:tgtEl>
+                                          <p:spTgt spid="25"/>
+                                        </p:tgtEl>
+                                        <p:attrNameLst>
+                                          <p:attrName>style.visibility</p:attrName>
+                                        </p:attrNameLst>
+                                      </p:cBhvr>
+                                      <p:to>
+                                        <p:strVal val="visible"/>
+                                      </p:to>
+                                    </p:set>
+                                  </p:childTnLst>
+                                </p:cTn>
+                              </p:par>
+                              <p:par>
+                                <p:cTn id="35" presetID="1" presetClass="entr" presetSubtype="0" fill="hold" grpId="0" nodeType="withEffect">
+                                  <p:stCondLst>
+                                    <p:cond delay="0"/>
+                                  </p:stCondLst>
+                                  <p:childTnLst>
+                                    <p:set>
+                                      <p:cBhvr>
+                                        <p:cTn id="36" dur="1" fill="hold">
+                                          <p:stCondLst>
+                                            <p:cond delay="0"/>
+                                          </p:stCondLst>
+                                        </p:cTn>
+                                        <p:tgtEl>
+                                          <p:spTgt spid="26"/>
+                                        </p:tgtEl>
+                                        <p:attrNameLst>
+                                          <p:attrName>style.visibility</p:attrName>
+                                        </p:attrNameLst>
+                                      </p:cBhvr>
+                                      <p:to>
+                                        <p:strVal val="visible"/>
+                                      </p:to>
+                                    </p:set>
+                                  </p:childTnLst>
+                                </p:cTn>
+                              </p:par>
+                              <p:par>
+                                <p:cTn id="37" presetID="1" presetClass="entr" presetSubtype="0" fill="hold" grpId="0" nodeType="withEffect">
+                                  <p:stCondLst>
+                                    <p:cond delay="0"/>
+                                  </p:stCondLst>
+                                  <p:childTnLst>
+                                    <p:set>
+                                      <p:cBhvr>
+                                        <p:cTn id="38" dur="1" fill="hold">
+                                          <p:stCondLst>
+                                            <p:cond delay="0"/>
+                                          </p:stCondLst>
+                                        </p:cTn>
+                                        <p:tgtEl>
+                                          <p:spTgt spid="28"/>
+                                        </p:tgtEl>
+                                        <p:attrNameLst>
+                                          <p:attrName>style.visibility</p:attrName>
+                                        </p:attrNameLst>
+                                      </p:cBhvr>
+                                      <p:to>
+                                        <p:strVal val="visible"/>
+                                      </p:to>
+                                    </p:set>
+                                  </p:childTnLst>
+                                </p:cTn>
+                              </p:par>
+                              <p:par>
+                                <p:cTn id="39" presetID="1" presetClass="entr" presetSubtype="0" fill="hold" grpId="0" nodeType="withEffect">
+                                  <p:stCondLst>
+                                    <p:cond delay="0"/>
+                                  </p:stCondLst>
+                                  <p:childTnLst>
+                                    <p:set>
+                                      <p:cBhvr>
+                                        <p:cTn id="40" dur="1" fill="hold">
+                                          <p:stCondLst>
+                                            <p:cond delay="0"/>
+                                          </p:stCondLst>
+                                        </p:cTn>
+                                        <p:tgtEl>
+                                          <p:spTgt spid="29"/>
+                                        </p:tgtEl>
+                                        <p:attrNameLst>
+                                          <p:attrName>style.visibility</p:attrName>
+                                        </p:attrNameLst>
+                                      </p:cBhvr>
+                                      <p:to>
+                                        <p:strVal val="visible"/>
+                                      </p:to>
+                                    </p:set>
+                                  </p:childTnLst>
+                                </p:cTn>
+                              </p:par>
+                            </p:childTnLst>
+                          </p:cTn>
+                        </p:par>
+                      </p:childTnLst>
+                    </p:cTn>
+                  </p:par>
+                  <p:par>
+                    <p:cTn id="41" fill="hold">
+                      <p:stCondLst>
+                        <p:cond delay="indefinite"/>
+                      </p:stCondLst>
+                      <p:childTnLst>
+                        <p:par>
+                          <p:cTn id="42" fill="hold">
+                            <p:stCondLst>
+                              <p:cond delay="0"/>
+                            </p:stCondLst>
+                            <p:childTnLst>
+                              <p:par>
+                                <p:cTn id="43" presetID="1" presetClass="entr" presetSubtype="0" fill="hold" grpId="0" nodeType="clickEffect">
+                                  <p:stCondLst>
+                                    <p:cond delay="0"/>
+                                  </p:stCondLst>
+                                  <p:childTnLst>
+                                    <p:set>
+                                      <p:cBhvr>
+                                        <p:cTn id="44" dur="1" fill="hold">
+                                          <p:stCondLst>
+                                            <p:cond delay="0"/>
+                                          </p:stCondLst>
+                                        </p:cTn>
+                                        <p:tgtEl>
+                                          <p:spTgt spid="51"/>
+                                        </p:tgtEl>
+                                        <p:attrNameLst>
+                                          <p:attrName>style.visibility</p:attrName>
+                                        </p:attrNameLst>
+                                      </p:cBhvr>
+                                      <p:to>
+                                        <p:strVal val="visible"/>
+                                      </p:to>
+                                    </p:set>
+                                  </p:childTnLst>
+                                </p:cTn>
+                              </p:par>
+                            </p:childTnLst>
+                          </p:cTn>
+                        </p:par>
+                      </p:childTnLst>
+                    </p:cTn>
+                  </p:par>
+                </p:childTnLst>
+              </p:cTn>
+              <p:prevCondLst>
+                <p:cond evt="onPrev" delay="0">
+                  <p:tgtEl>
+                    <p:sldTgt/>
+                  </p:tgtEl>
+                </p:cond>
+              </p:prevCondLst>
+              <p:nextCondLst>
+                <p:cond evt="onNext" delay="0">
+                  <p:tgtEl>
+                    <p:sldTgt/>
+                  </p:tgtEl>
+                </p:cond>
+              </p:nextCondLst>
+            </p:seq>
+          </p:childTnLst>
+        </p:cTn>
+      </p:par>
+    </p:tnLst>
+    <p:bldLst>
+      <p:bldP spid="18" grpId="0"/>
+      <p:bldP spid="20" grpId="0"/>
+      <p:bldP spid="24" grpId="0"/>
+      <p:bldP spid="25" grpId="0"/>
+      <p:bldP spid="26" grpId="0"/>
+      <p:bldP spid="28" grpId="0"/>
+      <p:bldP spid="29" grpId="0"/>
+      <p:bldP spid="51" grpId="0"/>
+    </p:bldLst>
+  </p:timing>
+</p:sld>
+</file>
+
+<file path=ppt/slides/slide3.xml><?xml version="1.0" encoding="utf-8"?>
+<p:sld xmlns:a="http://schemas.openxmlformats.org/drawingml/2006/main" xmlns:r="http://schemas.openxmlformats.org/officeDocument/2006/relationships" xmlns:p="http://schemas.openxmlformats.org/presentationml/2006/main">
+  <p:cSld>
+    <p:spTree>
+      <p:nvGrpSpPr>
+        <p:cNvPr id="1" name=""/>
+        <p:cNvGrpSpPr/>
+        <p:nvPr/>
+      </p:nvGrpSpPr>
+      <p:grpSpPr>
+        <a:xfrm>
+          <a:off x="0" y="0"/>
+          <a:ext cx="0" cy="0"/>
+          <a:chOff x="0" y="0"/>
+          <a:chExt cx="0" cy="0"/>
+        </a:xfrm>
+      </p:grpSpPr>
+      <p:sp>
+        <p:nvSpPr>
+          <p:cNvPr id="2" name="标题 1"/>
+          <p:cNvSpPr>
+            <a:spLocks noGrp="1"/>
+          </p:cNvSpPr>
+          <p:nvPr>
+            <p:ph type="title"/>
+          </p:nvPr>
+        </p:nvSpPr>
+        <p:spPr/>
+        <p:txBody>
+          <a:bodyPr/>
+          <a:lstStyle/>
+          <a:p>
+            <a:endParaRPr lang="zh-CN" altLang="en-US"/>
+          </a:p>
+        </p:txBody>
+      </p:sp>
+      <p:sp>
+        <p:nvSpPr>
+          <p:cNvPr id="3" name="内容占位符 2"/>
+          <p:cNvSpPr>
+            <a:spLocks noGrp="1"/>
+          </p:cNvSpPr>
+          <p:nvPr>
+            <p:ph idx="1"/>
+          </p:nvPr>
+        </p:nvSpPr>
+        <p:spPr/>
+        <p:txBody>
+          <a:bodyPr>
+            <a:normAutofit fontScale="25000" lnSpcReduction="20000"/>
+          </a:bodyPr>
+          <a:lstStyle/>
+          <a:p>
+            <a:r>
+              <a:rPr lang="en-US" altLang="zh-CN" dirty="0" err="1"/>
+              <a:t>up_k</a:t>
+            </a:r>
+            <a:r>
+              <a:rPr lang="en-US" altLang="zh-CN" dirty="0"/>
+              <a:t>:</a:t>
+            </a:r>
+          </a:p>
+          <a:p>
+            <a:r>
+              <a:rPr lang="en-US" altLang="zh-CN" dirty="0"/>
+              <a:t>	</a:t>
+            </a:r>
+            <a:r>
+              <a:rPr lang="en-US" altLang="zh-CN" dirty="0" err="1"/>
+              <a:t>cmp</a:t>
+            </a:r>
+            <a:r>
+              <a:rPr lang="en-US" altLang="zh-CN" dirty="0"/>
+              <a:t> rowpt,0</a:t>
+            </a:r>
+          </a:p>
+          <a:p>
+            <a:r>
+              <a:rPr lang="en-US" altLang="zh-CN" dirty="0"/>
+              <a:t>	je </a:t>
+            </a:r>
+            <a:r>
+              <a:rPr lang="en-US" altLang="zh-CN" dirty="0" err="1"/>
+              <a:t>uret</a:t>
+            </a:r>
+            <a:endParaRPr lang="en-US" altLang="zh-CN" dirty="0"/>
+          </a:p>
+          <a:p>
+            <a:r>
+              <a:rPr lang="en-US" altLang="zh-CN" dirty="0"/>
+              <a:t>	</a:t>
+            </a:r>
+            <a:r>
+              <a:rPr lang="en-US" altLang="zh-CN" dirty="0" err="1"/>
+              <a:t>dec</a:t>
+            </a:r>
+            <a:r>
+              <a:rPr lang="en-US" altLang="zh-CN" dirty="0"/>
+              <a:t> </a:t>
+            </a:r>
+            <a:r>
+              <a:rPr lang="en-US" altLang="zh-CN" dirty="0" err="1"/>
+              <a:t>rowpt</a:t>
+            </a:r>
+            <a:endParaRPr lang="en-US" altLang="zh-CN" dirty="0"/>
+          </a:p>
+          <a:p>
+            <a:r>
+              <a:rPr lang="en-US" altLang="zh-CN" dirty="0"/>
+              <a:t>	</a:t>
+            </a:r>
+            <a:r>
+              <a:rPr lang="en-US" altLang="zh-CN" dirty="0" err="1"/>
+              <a:t>mov</a:t>
+            </a:r>
+            <a:r>
+              <a:rPr lang="en-US" altLang="zh-CN" dirty="0"/>
+              <a:t> </a:t>
+            </a:r>
+            <a:r>
+              <a:rPr lang="en-US" altLang="zh-CN" dirty="0" err="1"/>
+              <a:t>bl,rowpt</a:t>
+            </a:r>
+            <a:endParaRPr lang="en-US" altLang="zh-CN" dirty="0"/>
+          </a:p>
+          <a:p>
+            <a:r>
+              <a:rPr lang="en-US" altLang="zh-CN" dirty="0"/>
+              <a:t>	</a:t>
+            </a:r>
+            <a:r>
+              <a:rPr lang="en-US" altLang="zh-CN" dirty="0" err="1"/>
+              <a:t>xor</a:t>
+            </a:r>
+            <a:r>
+              <a:rPr lang="en-US" altLang="zh-CN" dirty="0"/>
+              <a:t> </a:t>
+            </a:r>
+            <a:r>
+              <a:rPr lang="en-US" altLang="zh-CN" dirty="0" err="1"/>
+              <a:t>bh,bh</a:t>
+            </a:r>
+            <a:endParaRPr lang="en-US" altLang="zh-CN" dirty="0"/>
+          </a:p>
+          <a:p>
+            <a:r>
+              <a:rPr lang="en-US" altLang="zh-CN" dirty="0"/>
+              <a:t>	</a:t>
+            </a:r>
+            <a:r>
+              <a:rPr lang="en-US" altLang="zh-CN" dirty="0" err="1"/>
+              <a:t>mov</a:t>
+            </a:r>
+            <a:r>
+              <a:rPr lang="en-US" altLang="zh-CN" dirty="0"/>
+              <a:t> </a:t>
+            </a:r>
+            <a:r>
+              <a:rPr lang="en-US" altLang="zh-CN" dirty="0" err="1"/>
+              <a:t>al,cntl</a:t>
+            </a:r>
+            <a:r>
+              <a:rPr lang="en-US" altLang="zh-CN" dirty="0"/>
+              <a:t>[</a:t>
+            </a:r>
+            <a:r>
+              <a:rPr lang="en-US" altLang="zh-CN" dirty="0" err="1"/>
+              <a:t>bx</a:t>
+            </a:r>
+            <a:r>
+              <a:rPr lang="en-US" altLang="zh-CN" dirty="0"/>
+              <a:t>]</a:t>
+            </a:r>
+          </a:p>
+          <a:p>
+            <a:r>
+              <a:rPr lang="en-US" altLang="zh-CN" dirty="0"/>
+              <a:t>	</a:t>
+            </a:r>
+            <a:r>
+              <a:rPr lang="en-US" altLang="zh-CN" dirty="0" err="1"/>
+              <a:t>cmp</a:t>
+            </a:r>
+            <a:r>
+              <a:rPr lang="en-US" altLang="zh-CN" dirty="0"/>
+              <a:t> </a:t>
+            </a:r>
+            <a:r>
+              <a:rPr lang="en-US" altLang="zh-CN" dirty="0" err="1"/>
+              <a:t>al,colpt</a:t>
+            </a:r>
+            <a:endParaRPr lang="en-US" altLang="zh-CN" dirty="0"/>
+          </a:p>
+          <a:p>
+            <a:r>
+              <a:rPr lang="en-US" altLang="zh-CN" dirty="0"/>
+              <a:t>	</a:t>
+            </a:r>
+            <a:r>
+              <a:rPr lang="en-US" altLang="zh-CN" dirty="0" err="1"/>
+              <a:t>jnz</a:t>
+            </a:r>
+            <a:r>
+              <a:rPr lang="en-US" altLang="zh-CN" dirty="0"/>
+              <a:t> </a:t>
+            </a:r>
+            <a:r>
+              <a:rPr lang="en-US" altLang="zh-CN" dirty="0" err="1"/>
+              <a:t>ll</a:t>
+            </a:r>
+            <a:endParaRPr lang="en-US" altLang="zh-CN" dirty="0"/>
+          </a:p>
+          <a:p>
+            <a:r>
+              <a:rPr lang="en-US" altLang="zh-CN" dirty="0"/>
+              <a:t>	</a:t>
+            </a:r>
+            <a:r>
+              <a:rPr lang="en-US" altLang="zh-CN" dirty="0" err="1"/>
+              <a:t>mov</a:t>
+            </a:r>
+            <a:r>
+              <a:rPr lang="en-US" altLang="zh-CN" dirty="0"/>
+              <a:t> </a:t>
+            </a:r>
+            <a:r>
+              <a:rPr lang="en-US" altLang="zh-CN" dirty="0" err="1"/>
+              <a:t>cl,colpt</a:t>
+            </a:r>
+            <a:endParaRPr lang="en-US" altLang="zh-CN" dirty="0"/>
+          </a:p>
+          <a:p>
+            <a:r>
+              <a:rPr lang="en-US" altLang="zh-CN" dirty="0"/>
+              <a:t>	</a:t>
+            </a:r>
+            <a:r>
+              <a:rPr lang="en-US" altLang="zh-CN" dirty="0" err="1"/>
+              <a:t>xor</a:t>
+            </a:r>
+            <a:r>
+              <a:rPr lang="en-US" altLang="zh-CN" dirty="0"/>
+              <a:t> </a:t>
+            </a:r>
+            <a:r>
+              <a:rPr lang="en-US" altLang="zh-CN" dirty="0" err="1"/>
+              <a:t>ch,ch</a:t>
+            </a:r>
+            <a:endParaRPr lang="en-US" altLang="zh-CN" dirty="0"/>
+          </a:p>
+          <a:p>
+            <a:r>
+              <a:rPr lang="en-US" altLang="zh-CN" dirty="0"/>
+              <a:t>	sub </a:t>
+            </a:r>
+            <a:r>
+              <a:rPr lang="en-US" altLang="zh-CN" dirty="0" err="1"/>
+              <a:t>bufpt,cx</a:t>
+            </a:r>
+            <a:endParaRPr lang="en-US" altLang="zh-CN" dirty="0"/>
+          </a:p>
+          <a:p>
+            <a:r>
+              <a:rPr lang="en-US" altLang="zh-CN" dirty="0"/>
+              <a:t>	</a:t>
+            </a:r>
+            <a:r>
+              <a:rPr lang="en-US" altLang="zh-CN" dirty="0" err="1"/>
+              <a:t>mov</a:t>
+            </a:r>
+            <a:r>
+              <a:rPr lang="en-US" altLang="zh-CN" dirty="0"/>
+              <a:t> </a:t>
+            </a:r>
+            <a:r>
+              <a:rPr lang="en-US" altLang="zh-CN" dirty="0" err="1"/>
+              <a:t>colpt,al</a:t>
+            </a:r>
+            <a:endParaRPr lang="en-US" altLang="zh-CN" dirty="0"/>
+          </a:p>
+          <a:p>
+            <a:r>
+              <a:rPr lang="en-US" altLang="zh-CN" dirty="0"/>
+              <a:t>	</a:t>
+            </a:r>
+            <a:r>
+              <a:rPr lang="en-US" altLang="zh-CN" dirty="0" err="1"/>
+              <a:t>jmp</a:t>
+            </a:r>
+            <a:r>
+              <a:rPr lang="en-US" altLang="zh-CN" dirty="0"/>
+              <a:t> 12</a:t>
+            </a:r>
+          </a:p>
+          <a:p>
+            <a:r>
+              <a:rPr lang="en-US" altLang="zh-CN" dirty="0" err="1"/>
+              <a:t>ll</a:t>
+            </a:r>
+            <a:r>
+              <a:rPr lang="en-US" altLang="zh-CN" dirty="0"/>
+              <a:t>: </a:t>
+            </a:r>
+          </a:p>
+          <a:p>
+            <a:r>
+              <a:rPr lang="en-US" altLang="zh-CN" dirty="0"/>
+              <a:t>	</a:t>
+            </a:r>
+            <a:r>
+              <a:rPr lang="en-US" altLang="zh-CN" dirty="0" err="1"/>
+              <a:t>xor</a:t>
+            </a:r>
+            <a:r>
+              <a:rPr lang="en-US" altLang="zh-CN" dirty="0"/>
+              <a:t> </a:t>
+            </a:r>
+            <a:r>
+              <a:rPr lang="en-US" altLang="zh-CN" dirty="0" err="1"/>
+              <a:t>ah,ah</a:t>
+            </a:r>
+            <a:endParaRPr lang="en-US" altLang="zh-CN" dirty="0"/>
+          </a:p>
+          <a:p>
+            <a:r>
+              <a:rPr lang="en-US" altLang="zh-CN" dirty="0"/>
+              <a:t>	sub </a:t>
+            </a:r>
+            <a:r>
+              <a:rPr lang="en-US" altLang="zh-CN" dirty="0" err="1"/>
+              <a:t>bufpt</a:t>
+            </a:r>
+            <a:endParaRPr lang="en-US" altLang="zh-CN" dirty="0"/>
+          </a:p>
+          <a:p>
+            <a:r>
+              <a:rPr lang="en-US" altLang="zh-CN" dirty="0"/>
+              <a:t>l2: </a:t>
+            </a:r>
+          </a:p>
+          <a:p>
+            <a:r>
+              <a:rPr lang="en-US" altLang="zh-CN" dirty="0"/>
+              <a:t>	</a:t>
+            </a:r>
+            <a:r>
+              <a:rPr lang="en-US" altLang="zh-CN" dirty="0" err="1"/>
+              <a:t>dec</a:t>
+            </a:r>
+            <a:r>
+              <a:rPr lang="en-US" altLang="zh-CN" dirty="0"/>
+              <a:t> </a:t>
+            </a:r>
+            <a:r>
+              <a:rPr lang="en-US" altLang="zh-CN" dirty="0" err="1"/>
+              <a:t>bufpt</a:t>
+            </a:r>
+            <a:endParaRPr lang="en-US" altLang="zh-CN" dirty="0"/>
+          </a:p>
+          <a:p>
+            <a:r>
+              <a:rPr lang="en-US" altLang="zh-CN" dirty="0"/>
+              <a:t>curs </a:t>
+            </a:r>
+            <a:r>
+              <a:rPr lang="en-US" altLang="zh-CN" dirty="0" err="1"/>
+              <a:t>rowpt,colpt</a:t>
+            </a:r>
+            <a:endParaRPr lang="en-US" altLang="zh-CN" dirty="0"/>
+          </a:p>
+          <a:p>
+            <a:r>
+              <a:rPr lang="en-US" altLang="zh-CN" dirty="0" err="1"/>
+              <a:t>down_k</a:t>
+            </a:r>
+            <a:r>
+              <a:rPr lang="en-US" altLang="zh-CN" dirty="0"/>
+              <a:t>:</a:t>
+            </a:r>
+          </a:p>
+          <a:p>
+            <a:r>
+              <a:rPr lang="en-US" altLang="zh-CN" dirty="0"/>
+              <a:t>	</a:t>
+            </a:r>
+            <a:r>
+              <a:rPr lang="en-US" altLang="zh-CN" dirty="0" err="1"/>
+              <a:t>mov</a:t>
+            </a:r>
+            <a:r>
+              <a:rPr lang="en-US" altLang="zh-CN" dirty="0"/>
+              <a:t> </a:t>
+            </a:r>
+            <a:r>
+              <a:rPr lang="en-US" altLang="zh-CN" dirty="0" err="1"/>
+              <a:t>al,rowpt</a:t>
+            </a:r>
+            <a:endParaRPr lang="en-US" altLang="zh-CN" dirty="0"/>
+          </a:p>
+          <a:p>
+            <a:r>
+              <a:rPr lang="en-US" altLang="zh-CN" dirty="0"/>
+              <a:t>	</a:t>
+            </a:r>
+            <a:r>
+              <a:rPr lang="en-US" altLang="zh-CN" dirty="0" err="1"/>
+              <a:t>xor</a:t>
+            </a:r>
+            <a:r>
+              <a:rPr lang="en-US" altLang="zh-CN" dirty="0"/>
+              <a:t> </a:t>
+            </a:r>
+            <a:r>
+              <a:rPr lang="en-US" altLang="zh-CN" dirty="0" err="1"/>
+              <a:t>ah,ah</a:t>
+            </a:r>
+            <a:endParaRPr lang="en-US" altLang="zh-CN" dirty="0"/>
+          </a:p>
+          <a:p>
+            <a:r>
+              <a:rPr lang="en-US" altLang="zh-CN" dirty="0"/>
+              <a:t>	</a:t>
+            </a:r>
+            <a:r>
+              <a:rPr lang="en-US" altLang="zh-CN" dirty="0" err="1"/>
+              <a:t>cmp</a:t>
+            </a:r>
+            <a:r>
+              <a:rPr lang="en-US" altLang="zh-CN" dirty="0"/>
+              <a:t> </a:t>
+            </a:r>
+            <a:r>
+              <a:rPr lang="en-US" altLang="zh-CN" dirty="0" err="1"/>
+              <a:t>ax,rowmx</a:t>
+            </a:r>
+            <a:endParaRPr lang="en-US" altLang="zh-CN" dirty="0"/>
+          </a:p>
+          <a:p>
+            <a:r>
+              <a:rPr lang="en-US" altLang="zh-CN" dirty="0"/>
+              <a:t>	</a:t>
+            </a:r>
+            <a:r>
+              <a:rPr lang="en-US" altLang="zh-CN" dirty="0" err="1"/>
+              <a:t>jz</a:t>
+            </a:r>
+            <a:r>
+              <a:rPr lang="en-US" altLang="zh-CN" dirty="0"/>
+              <a:t> </a:t>
+            </a:r>
+            <a:r>
+              <a:rPr lang="en-US" altLang="zh-CN" dirty="0" err="1"/>
+              <a:t>dret</a:t>
+            </a:r>
+            <a:endParaRPr lang="en-US" altLang="zh-CN" dirty="0"/>
+          </a:p>
+          <a:p>
+            <a:r>
+              <a:rPr lang="en-US" altLang="zh-CN" dirty="0"/>
+              <a:t>	</a:t>
+            </a:r>
+            <a:r>
+              <a:rPr lang="en-US" altLang="zh-CN" dirty="0" err="1"/>
+              <a:t>inc</a:t>
+            </a:r>
+            <a:r>
+              <a:rPr lang="en-US" altLang="zh-CN" dirty="0"/>
+              <a:t> </a:t>
+            </a:r>
+            <a:r>
+              <a:rPr lang="en-US" altLang="zh-CN" dirty="0" err="1"/>
+              <a:t>rowpt</a:t>
+            </a:r>
+            <a:endParaRPr lang="en-US" altLang="zh-CN" dirty="0"/>
+          </a:p>
+          <a:p>
+            <a:r>
+              <a:rPr lang="en-US" altLang="zh-CN" dirty="0"/>
+              <a:t>	</a:t>
+            </a:r>
+            <a:r>
+              <a:rPr lang="en-US" altLang="zh-CN" dirty="0" err="1"/>
+              <a:t>mov</a:t>
+            </a:r>
+            <a:r>
+              <a:rPr lang="en-US" altLang="zh-CN" dirty="0"/>
+              <a:t> </a:t>
+            </a:r>
+            <a:r>
+              <a:rPr lang="en-US" altLang="zh-CN" dirty="0" err="1"/>
+              <a:t>bl,rowpt</a:t>
+            </a:r>
+            <a:endParaRPr lang="en-US" altLang="zh-CN" dirty="0"/>
+          </a:p>
+          <a:p>
+            <a:r>
+              <a:rPr lang="en-US" altLang="zh-CN" dirty="0"/>
+              <a:t>	</a:t>
+            </a:r>
+            <a:r>
+              <a:rPr lang="en-US" altLang="zh-CN" dirty="0" err="1"/>
+              <a:t>xor</a:t>
+            </a:r>
+            <a:r>
+              <a:rPr lang="en-US" altLang="zh-CN" dirty="0"/>
+              <a:t> </a:t>
+            </a:r>
+            <a:r>
+              <a:rPr lang="en-US" altLang="zh-CN" dirty="0" err="1"/>
+              <a:t>bh,bh</a:t>
+            </a:r>
+            <a:endParaRPr lang="en-US" altLang="zh-CN" dirty="0"/>
+          </a:p>
+          <a:p>
+            <a:r>
+              <a:rPr lang="en-US" altLang="zh-CN" dirty="0"/>
+              <a:t>	</a:t>
+            </a:r>
+            <a:r>
+              <a:rPr lang="en-US" altLang="zh-CN" dirty="0" err="1"/>
+              <a:t>mov</a:t>
+            </a:r>
+            <a:r>
+              <a:rPr lang="en-US" altLang="zh-CN" dirty="0"/>
+              <a:t> </a:t>
+            </a:r>
+            <a:r>
+              <a:rPr lang="en-US" altLang="zh-CN" dirty="0" err="1"/>
+              <a:t>al,cotl</a:t>
+            </a:r>
+            <a:r>
+              <a:rPr lang="en-US" altLang="zh-CN" dirty="0"/>
+              <a:t>[</a:t>
+            </a:r>
+            <a:r>
+              <a:rPr lang="en-US" altLang="zh-CN" dirty="0" err="1"/>
+              <a:t>bx</a:t>
+            </a:r>
+            <a:r>
+              <a:rPr lang="en-US" altLang="zh-CN" dirty="0"/>
+              <a:t>]</a:t>
+            </a:r>
+          </a:p>
+          <a:p>
+            <a:r>
+              <a:rPr lang="en-US" altLang="zh-CN" dirty="0"/>
+              <a:t>	</a:t>
+            </a:r>
+            <a:r>
+              <a:rPr lang="en-US" altLang="zh-CN" dirty="0" err="1"/>
+              <a:t>cmp</a:t>
+            </a:r>
+            <a:r>
+              <a:rPr lang="en-US" altLang="zh-CN" dirty="0"/>
+              <a:t> </a:t>
+            </a:r>
+            <a:r>
+              <a:rPr lang="en-US" altLang="zh-CN" dirty="0" err="1"/>
+              <a:t>al,colpt</a:t>
+            </a:r>
+            <a:endParaRPr lang="en-US" altLang="zh-CN" dirty="0"/>
+          </a:p>
+          <a:p>
+            <a:r>
+              <a:rPr lang="en-US" altLang="zh-CN" dirty="0"/>
+              <a:t>	</a:t>
+            </a:r>
+            <a:r>
+              <a:rPr lang="en-US" altLang="zh-CN" dirty="0" err="1"/>
+              <a:t>jnz</a:t>
+            </a:r>
+            <a:r>
+              <a:rPr lang="en-US" altLang="zh-CN" dirty="0"/>
+              <a:t> l3</a:t>
+            </a:r>
+          </a:p>
+          <a:p>
+            <a:r>
+              <a:rPr lang="en-US" altLang="zh-CN" dirty="0"/>
+              <a:t>	</a:t>
+            </a:r>
+            <a:r>
+              <a:rPr lang="en-US" altLang="zh-CN" dirty="0" err="1"/>
+              <a:t>mov</a:t>
+            </a:r>
+            <a:r>
+              <a:rPr lang="en-US" altLang="zh-CN" dirty="0"/>
+              <a:t> </a:t>
+            </a:r>
+            <a:r>
+              <a:rPr lang="en-US" altLang="zh-CN" dirty="0" err="1"/>
+              <a:t>cl,colpt</a:t>
+            </a:r>
+            <a:endParaRPr lang="en-US" altLang="zh-CN" dirty="0"/>
+          </a:p>
+          <a:p>
+            <a:r>
+              <a:rPr lang="en-US" altLang="zh-CN" dirty="0"/>
+              <a:t>	</a:t>
+            </a:r>
+            <a:r>
+              <a:rPr lang="en-US" altLang="zh-CN" dirty="0" err="1"/>
+              <a:t>xor</a:t>
+            </a:r>
+            <a:r>
+              <a:rPr lang="en-US" altLang="zh-CN" dirty="0"/>
+              <a:t> </a:t>
+            </a:r>
+            <a:r>
+              <a:rPr lang="en-US" altLang="zh-CN" dirty="0" err="1"/>
+              <a:t>ch,ch</a:t>
+            </a:r>
+            <a:endParaRPr lang="en-US" altLang="zh-CN" dirty="0"/>
+          </a:p>
+          <a:p>
+            <a:r>
+              <a:rPr lang="en-US" altLang="zh-CN" dirty="0"/>
+              <a:t>	sub </a:t>
+            </a:r>
+            <a:r>
+              <a:rPr lang="en-US" altLang="zh-CN" dirty="0" err="1"/>
+              <a:t>bufpt,cx</a:t>
+            </a:r>
+            <a:endParaRPr lang="en-US" altLang="zh-CN" dirty="0"/>
+          </a:p>
+          <a:p>
+            <a:r>
+              <a:rPr lang="en-US" altLang="zh-CN" dirty="0"/>
+              <a:t>	</a:t>
+            </a:r>
+            <a:r>
+              <a:rPr lang="en-US" altLang="zh-CN" dirty="0" err="1"/>
+              <a:t>mov</a:t>
+            </a:r>
+            <a:r>
+              <a:rPr lang="en-US" altLang="zh-CN" dirty="0"/>
+              <a:t> </a:t>
+            </a:r>
+            <a:r>
+              <a:rPr lang="en-US" altLang="zh-CN" dirty="0" err="1"/>
+              <a:t>colpt,al</a:t>
+            </a:r>
+            <a:endParaRPr lang="en-US" altLang="zh-CN" dirty="0"/>
+          </a:p>
+          <a:p>
+            <a:r>
+              <a:rPr lang="en-US" altLang="zh-CN" dirty="0"/>
+              <a:t>	</a:t>
+            </a:r>
+            <a:r>
+              <a:rPr lang="en-US" altLang="zh-CN" dirty="0" err="1"/>
+              <a:t>dec</a:t>
+            </a:r>
+            <a:r>
+              <a:rPr lang="en-US" altLang="zh-CN" dirty="0"/>
+              <a:t> </a:t>
+            </a:r>
+            <a:r>
+              <a:rPr lang="en-US" altLang="zh-CN" dirty="0" err="1"/>
+              <a:t>bx</a:t>
+            </a:r>
+            <a:endParaRPr lang="en-US" altLang="zh-CN" dirty="0"/>
+          </a:p>
+          <a:p>
+            <a:r>
+              <a:rPr lang="en-US" altLang="zh-CN" dirty="0"/>
+              <a:t>	</a:t>
+            </a:r>
+            <a:r>
+              <a:rPr lang="en-US" altLang="zh-CN" dirty="0" err="1"/>
+              <a:t>mov</a:t>
+            </a:r>
+            <a:r>
+              <a:rPr lang="en-US" altLang="zh-CN" dirty="0"/>
+              <a:t> </a:t>
+            </a:r>
+            <a:r>
+              <a:rPr lang="en-US" altLang="zh-CN" dirty="0" err="1"/>
+              <a:t>dl,cntl</a:t>
+            </a:r>
+            <a:r>
+              <a:rPr lang="en-US" altLang="zh-CN" dirty="0"/>
+              <a:t>[</a:t>
+            </a:r>
+            <a:r>
+              <a:rPr lang="en-US" altLang="zh-CN" dirty="0" err="1"/>
+              <a:t>bx</a:t>
+            </a:r>
+            <a:r>
+              <a:rPr lang="en-US" altLang="zh-CN" dirty="0"/>
+              <a:t>]</a:t>
+            </a:r>
+          </a:p>
+          <a:p>
+            <a:r>
+              <a:rPr lang="en-US" altLang="zh-CN" dirty="0"/>
+              <a:t>	</a:t>
+            </a:r>
+            <a:r>
+              <a:rPr lang="en-US" altLang="zh-CN" dirty="0" err="1"/>
+              <a:t>xor</a:t>
+            </a:r>
+            <a:r>
+              <a:rPr lang="en-US" altLang="zh-CN" dirty="0"/>
+              <a:t> </a:t>
+            </a:r>
+            <a:r>
+              <a:rPr lang="en-US" altLang="zh-CN" dirty="0" err="1"/>
+              <a:t>dh,dh</a:t>
+            </a:r>
+            <a:endParaRPr lang="en-US" altLang="zh-CN" dirty="0"/>
+          </a:p>
+          <a:p>
+            <a:r>
+              <a:rPr lang="en-US" altLang="zh-CN" dirty="0"/>
+              <a:t>	</a:t>
+            </a:r>
+            <a:r>
+              <a:rPr lang="en-US" altLang="zh-CN" dirty="0" err="1"/>
+              <a:t>xor</a:t>
+            </a:r>
+            <a:r>
+              <a:rPr lang="en-US" altLang="zh-CN" dirty="0"/>
+              <a:t> </a:t>
+            </a:r>
+            <a:r>
+              <a:rPr lang="en-US" altLang="zh-CN" dirty="0" err="1"/>
+              <a:t>ah,ah</a:t>
+            </a:r>
+            <a:endParaRPr lang="en-US" altLang="zh-CN" dirty="0"/>
+          </a:p>
+          <a:p>
+            <a:r>
+              <a:rPr lang="en-US" altLang="zh-CN" dirty="0"/>
+              <a:t>	add </a:t>
+            </a:r>
+            <a:r>
+              <a:rPr lang="en-US" altLang="zh-CN" dirty="0" err="1"/>
+              <a:t>bufpt,ax</a:t>
+            </a:r>
+            <a:endParaRPr lang="en-US" altLang="zh-CN" dirty="0"/>
+          </a:p>
+          <a:p>
+            <a:r>
+              <a:rPr lang="en-US" altLang="zh-CN" dirty="0"/>
+              <a:t>	</a:t>
+            </a:r>
+            <a:r>
+              <a:rPr lang="en-US" altLang="zh-CN" dirty="0" err="1"/>
+              <a:t>adc</a:t>
+            </a:r>
+            <a:r>
+              <a:rPr lang="en-US" altLang="zh-CN" dirty="0"/>
+              <a:t> </a:t>
+            </a:r>
+            <a:r>
+              <a:rPr lang="en-US" altLang="zh-CN" dirty="0" err="1"/>
+              <a:t>bufpt,dx</a:t>
+            </a:r>
+            <a:endParaRPr lang="en-US" altLang="zh-CN" dirty="0"/>
+          </a:p>
+          <a:p>
+            <a:r>
+              <a:rPr lang="en-US" altLang="zh-CN" dirty="0"/>
+              <a:t>	</a:t>
+            </a:r>
+            <a:r>
+              <a:rPr lang="en-US" altLang="zh-CN" dirty="0" err="1"/>
+              <a:t>jmp</a:t>
+            </a:r>
+            <a:r>
+              <a:rPr lang="en-US" altLang="zh-CN" dirty="0"/>
+              <a:t> l4</a:t>
+            </a:r>
+          </a:p>
+          <a:p>
+            <a:r>
+              <a:rPr lang="en-US" altLang="zh-CN" dirty="0"/>
+              <a:t>l3:</a:t>
+            </a:r>
+          </a:p>
+          <a:p>
+            <a:r>
+              <a:rPr lang="en-US" altLang="zh-CN" dirty="0"/>
+              <a:t>	</a:t>
+            </a:r>
+            <a:r>
+              <a:rPr lang="en-US" altLang="zh-CN" dirty="0" err="1"/>
+              <a:t>dec</a:t>
+            </a:r>
+            <a:r>
+              <a:rPr lang="en-US" altLang="zh-CN" dirty="0"/>
+              <a:t> </a:t>
+            </a:r>
+            <a:r>
+              <a:rPr lang="en-US" altLang="zh-CN" dirty="0" err="1"/>
+              <a:t>bx</a:t>
+            </a:r>
+            <a:endParaRPr lang="en-US" altLang="zh-CN" dirty="0"/>
+          </a:p>
+          <a:p>
+            <a:r>
+              <a:rPr lang="en-US" altLang="zh-CN" dirty="0"/>
+              <a:t>	</a:t>
+            </a:r>
+            <a:r>
+              <a:rPr lang="en-US" altLang="zh-CN" dirty="0" err="1"/>
+              <a:t>mov</a:t>
+            </a:r>
+            <a:r>
+              <a:rPr lang="en-US" altLang="zh-CN" dirty="0"/>
+              <a:t> </a:t>
+            </a:r>
+            <a:r>
+              <a:rPr lang="en-US" altLang="zh-CN" dirty="0" err="1"/>
+              <a:t>cl,cntl</a:t>
+            </a:r>
+            <a:r>
+              <a:rPr lang="en-US" altLang="zh-CN" dirty="0"/>
+              <a:t>[</a:t>
+            </a:r>
+            <a:r>
+              <a:rPr lang="en-US" altLang="zh-CN" dirty="0" err="1"/>
+              <a:t>bx</a:t>
+            </a:r>
+            <a:r>
+              <a:rPr lang="en-US" altLang="zh-CN" dirty="0"/>
+              <a:t>]</a:t>
+            </a:r>
+          </a:p>
+          <a:p>
+            <a:r>
+              <a:rPr lang="en-US" altLang="zh-CN" dirty="0"/>
+              <a:t>	</a:t>
+            </a:r>
+            <a:r>
+              <a:rPr lang="en-US" altLang="zh-CN" dirty="0" err="1"/>
+              <a:t>xor</a:t>
+            </a:r>
+            <a:r>
+              <a:rPr lang="en-US" altLang="zh-CN" dirty="0"/>
+              <a:t> </a:t>
+            </a:r>
+            <a:r>
+              <a:rPr lang="en-US" altLang="zh-CN" dirty="0" err="1"/>
+              <a:t>ch,ch</a:t>
+            </a:r>
+            <a:endParaRPr lang="en-US" altLang="zh-CN" dirty="0"/>
+          </a:p>
+          <a:p>
+            <a:r>
+              <a:rPr lang="en-US" altLang="zh-CN" dirty="0"/>
+              <a:t>	add </a:t>
+            </a:r>
+            <a:r>
+              <a:rPr lang="en-US" altLang="zh-CN" dirty="0" err="1"/>
+              <a:t>bufpt</a:t>
+            </a:r>
+            <a:endParaRPr lang="en-US" altLang="zh-CN" dirty="0"/>
+          </a:p>
+          <a:p>
+            <a:r>
+              <a:rPr lang="en-US" altLang="zh-CN" dirty="0"/>
+              <a:t>l4: </a:t>
+            </a:r>
+          </a:p>
+          <a:p>
+            <a:r>
+              <a:rPr lang="en-US" altLang="zh-CN" dirty="0"/>
+              <a:t>	</a:t>
+            </a:r>
+            <a:r>
+              <a:rPr lang="en-US" altLang="zh-CN" dirty="0" err="1"/>
+              <a:t>inc</a:t>
+            </a:r>
+            <a:r>
+              <a:rPr lang="en-US" altLang="zh-CN" dirty="0"/>
+              <a:t> </a:t>
+            </a:r>
+            <a:r>
+              <a:rPr lang="en-US" altLang="zh-CN" dirty="0" err="1"/>
+              <a:t>bufpt</a:t>
+            </a:r>
+            <a:endParaRPr lang="en-US" altLang="zh-CN" dirty="0"/>
+          </a:p>
+          <a:p>
+            <a:r>
+              <a:rPr lang="en-US" altLang="zh-CN" dirty="0"/>
+              <a:t>curs </a:t>
+            </a:r>
+            <a:r>
+              <a:rPr lang="en-US" altLang="zh-CN" dirty="0" err="1"/>
+              <a:t>rowpt,colpt</a:t>
+            </a:r>
+            <a:endParaRPr lang="zh-CN" altLang="en-US" dirty="0"/>
+          </a:p>
+        </p:txBody>
+      </p:sp>
+    </p:spTree>
+    <p:extLst>
+      <p:ext uri="{BB962C8B-B14F-4D97-AF65-F5344CB8AC3E}">
+        <p14:creationId xmlns:p14="http://schemas.microsoft.com/office/powerpoint/2010/main" val="1572346001"/>
+      </p:ext>
+    </p:extLst>
+  </p:cSld>
+  <p:clrMapOvr>
+    <a:masterClrMapping/>
+  </p:clrMapOvr>
+  <p:timing>
+    <p:tnLst>
+      <p:par>
+        <p:cTn id="1" dur="indefinite" restart="never" nodeType="tmRoot"/>
+      </p:par>
+    </p:tnLst>
+  </p:timing>
+</p:sld>
+</file>
+
+<file path=ppt/slides/slide4.xml><?xml version="1.0" encoding="utf-8"?>
+<p:sld xmlns:a="http://schemas.openxmlformats.org/drawingml/2006/main" xmlns:r="http://schemas.openxmlformats.org/officeDocument/2006/relationships" xmlns:p="http://schemas.openxmlformats.org/presentationml/2006/main">
+  <p:cSld>
+    <p:spTree>
+      <p:nvGrpSpPr>
+        <p:cNvPr id="1" name=""/>
+        <p:cNvGrpSpPr/>
+        <p:nvPr/>
+      </p:nvGrpSpPr>
+      <p:grpSpPr>
+        <a:xfrm>
+          <a:off x="0" y="0"/>
+          <a:ext cx="0" cy="0"/>
+          <a:chOff x="0" y="0"/>
+          <a:chExt cx="0" cy="0"/>
+        </a:xfrm>
+      </p:grpSpPr>
       <p:pic>
         <p:nvPicPr>
           <p:cNvPr id="4" name="图片 3"/>
@@ -12621,1256 +14709,13 @@
   <p:clrMapOvr>
     <a:masterClrMapping/>
   </p:clrMapOvr>
-</p:sld>
-</file>
-
-<file path=ppt/slides/slide3.xml><?xml version="1.0" encoding="utf-8"?>
-<p:sld xmlns:a="http://schemas.openxmlformats.org/drawingml/2006/main" xmlns:r="http://schemas.openxmlformats.org/officeDocument/2006/relationships" xmlns:p="http://schemas.openxmlformats.org/presentationml/2006/main">
-  <p:cSld>
-    <p:spTree>
-      <p:nvGrpSpPr>
-        <p:cNvPr id="1" name=""/>
-        <p:cNvGrpSpPr/>
-        <p:nvPr/>
-      </p:nvGrpSpPr>
-      <p:grpSpPr>
-        <a:xfrm>
-          <a:off x="0" y="0"/>
-          <a:ext cx="0" cy="0"/>
-          <a:chOff x="0" y="0"/>
-          <a:chExt cx="0" cy="0"/>
-        </a:xfrm>
-      </p:grpSpPr>
-      <p:sp>
-        <p:nvSpPr>
-          <p:cNvPr id="2" name="标题 1">
-            <a:extLst>
-              <a:ext uri="{FF2B5EF4-FFF2-40B4-BE49-F238E27FC236}">
-                <a16:creationId xmlns:a16="http://schemas.microsoft.com/office/drawing/2014/main" id="{B34009C7-0447-4059-AB96-5D748325252A}"/>
-              </a:ext>
-            </a:extLst>
-          </p:cNvPr>
-          <p:cNvSpPr>
-            <a:spLocks noGrp="1"/>
-          </p:cNvSpPr>
-          <p:nvPr>
-            <p:ph type="title"/>
-          </p:nvPr>
-        </p:nvSpPr>
-        <p:spPr/>
-        <p:txBody>
-          <a:bodyPr/>
-          <a:lstStyle/>
-          <a:p>
-            <a:r>
-              <a:rPr lang="zh-CN" altLang="en-US" dirty="0"/>
-              <a:t>关闭文件</a:t>
-            </a:r>
-          </a:p>
-        </p:txBody>
-      </p:sp>
-      <p:pic>
-        <p:nvPicPr>
-          <p:cNvPr id="7" name="图片 6">
-            <a:extLst>
-              <a:ext uri="{FF2B5EF4-FFF2-40B4-BE49-F238E27FC236}">
-                <a16:creationId xmlns:a16="http://schemas.microsoft.com/office/drawing/2014/main" id="{8BBD2E2B-84D5-4F3D-A2D3-1018900E7EAC}"/>
-              </a:ext>
-            </a:extLst>
-          </p:cNvPr>
-          <p:cNvPicPr>
-            <a:picLocks noChangeAspect="1"/>
-          </p:cNvPicPr>
-          <p:nvPr/>
-        </p:nvPicPr>
-        <p:blipFill>
-          <a:blip r:embed="rId3"/>
-          <a:stretch>
-            <a:fillRect/>
-          </a:stretch>
-        </p:blipFill>
-        <p:spPr>
-          <a:xfrm>
-            <a:off x="5965698" y="2386660"/>
-            <a:ext cx="2087762" cy="2084680"/>
-          </a:xfrm>
-          <a:prstGeom prst="rect">
-            <a:avLst/>
-          </a:prstGeom>
-        </p:spPr>
-      </p:pic>
-      <p:pic>
-        <p:nvPicPr>
-          <p:cNvPr id="8" name="图片 7">
-            <a:extLst>
-              <a:ext uri="{FF2B5EF4-FFF2-40B4-BE49-F238E27FC236}">
-                <a16:creationId xmlns:a16="http://schemas.microsoft.com/office/drawing/2014/main" id="{1C20E705-873A-4677-88B3-A758D50AFC9E}"/>
-              </a:ext>
-            </a:extLst>
-          </p:cNvPr>
-          <p:cNvPicPr>
-            <a:picLocks noChangeAspect="1"/>
-          </p:cNvPicPr>
-          <p:nvPr/>
-        </p:nvPicPr>
-        <p:blipFill>
-          <a:blip r:embed="rId4"/>
-          <a:stretch>
-            <a:fillRect/>
-          </a:stretch>
-        </p:blipFill>
-        <p:spPr>
-          <a:xfrm>
-            <a:off x="8569875" y="1253745"/>
-            <a:ext cx="1488063" cy="4350510"/>
-          </a:xfrm>
-          <a:prstGeom prst="rect">
-            <a:avLst/>
-          </a:prstGeom>
-        </p:spPr>
-      </p:pic>
-      <p:pic>
-        <p:nvPicPr>
-          <p:cNvPr id="12" name="内容占位符 11">
-            <a:extLst>
-              <a:ext uri="{FF2B5EF4-FFF2-40B4-BE49-F238E27FC236}">
-                <a16:creationId xmlns:a16="http://schemas.microsoft.com/office/drawing/2014/main" id="{C65D4FB8-8BAB-4D6A-8EA4-2DE5385B3359}"/>
-              </a:ext>
-            </a:extLst>
-          </p:cNvPr>
-          <p:cNvPicPr>
-            <a:picLocks noGrp="1" noChangeAspect="1"/>
-          </p:cNvPicPr>
-          <p:nvPr>
-            <p:ph idx="1"/>
-          </p:nvPr>
-        </p:nvPicPr>
-        <p:blipFill>
-          <a:blip r:embed="rId5"/>
-          <a:stretch>
-            <a:fillRect/>
-          </a:stretch>
-        </p:blipFill>
-        <p:spPr>
-          <a:xfrm>
-            <a:off x="1402080" y="1955797"/>
-            <a:ext cx="3927724" cy="2515543"/>
-          </a:xfrm>
-          <a:prstGeom prst="rect">
-            <a:avLst/>
-          </a:prstGeom>
-        </p:spPr>
-      </p:pic>
-    </p:spTree>
-    <p:extLst>
-      <p:ext uri="{BB962C8B-B14F-4D97-AF65-F5344CB8AC3E}">
-        <p14:creationId xmlns:p14="http://schemas.microsoft.com/office/powerpoint/2010/main" val="293321722"/>
-      </p:ext>
-    </p:extLst>
-  </p:cSld>
-  <p:clrMapOvr>
-    <a:masterClrMapping/>
-  </p:clrMapOvr>
   <p:timing>
     <p:tnLst>
       <p:par>
-        <p:cTn id="1" dur="indefinite" restart="never" nodeType="tmRoot">
-          <p:childTnLst>
-            <p:seq concurrent="1" nextAc="seek">
-              <p:cTn id="2" dur="indefinite" nodeType="mainSeq">
-                <p:childTnLst>
-                  <p:par>
-                    <p:cTn id="3" fill="hold">
-                      <p:stCondLst>
-                        <p:cond delay="indefinite"/>
-                      </p:stCondLst>
-                      <p:childTnLst>
-                        <p:par>
-                          <p:cTn id="4" fill="hold">
-                            <p:stCondLst>
-                              <p:cond delay="0"/>
-                            </p:stCondLst>
-                            <p:childTnLst>
-                              <p:par>
-                                <p:cTn id="5" presetID="10" presetClass="entr" presetSubtype="0" fill="hold" nodeType="clickEffect">
-                                  <p:stCondLst>
-                                    <p:cond delay="0"/>
-                                  </p:stCondLst>
-                                  <p:childTnLst>
-                                    <p:set>
-                                      <p:cBhvr>
-                                        <p:cTn id="6" dur="1" fill="hold">
-                                          <p:stCondLst>
-                                            <p:cond delay="0"/>
-                                          </p:stCondLst>
-                                        </p:cTn>
-                                        <p:tgtEl>
-                                          <p:spTgt spid="7"/>
-                                        </p:tgtEl>
-                                        <p:attrNameLst>
-                                          <p:attrName>style.visibility</p:attrName>
-                                        </p:attrNameLst>
-                                      </p:cBhvr>
-                                      <p:to>
-                                        <p:strVal val="visible"/>
-                                      </p:to>
-                                    </p:set>
-                                    <p:animEffect transition="in" filter="fade">
-                                      <p:cBhvr>
-                                        <p:cTn id="7" dur="500"/>
-                                        <p:tgtEl>
-                                          <p:spTgt spid="7"/>
-                                        </p:tgtEl>
-                                      </p:cBhvr>
-                                    </p:animEffect>
-                                  </p:childTnLst>
-                                </p:cTn>
-                              </p:par>
-                            </p:childTnLst>
-                          </p:cTn>
-                        </p:par>
-                      </p:childTnLst>
-                    </p:cTn>
-                  </p:par>
-                  <p:par>
-                    <p:cTn id="8" fill="hold">
-                      <p:stCondLst>
-                        <p:cond delay="indefinite"/>
-                      </p:stCondLst>
-                      <p:childTnLst>
-                        <p:par>
-                          <p:cTn id="9" fill="hold">
-                            <p:stCondLst>
-                              <p:cond delay="0"/>
-                            </p:stCondLst>
-                            <p:childTnLst>
-                              <p:par>
-                                <p:cTn id="10" presetID="10" presetClass="entr" presetSubtype="0" fill="hold" nodeType="clickEffect">
-                                  <p:stCondLst>
-                                    <p:cond delay="0"/>
-                                  </p:stCondLst>
-                                  <p:childTnLst>
-                                    <p:set>
-                                      <p:cBhvr>
-                                        <p:cTn id="11" dur="1" fill="hold">
-                                          <p:stCondLst>
-                                            <p:cond delay="0"/>
-                                          </p:stCondLst>
-                                        </p:cTn>
-                                        <p:tgtEl>
-                                          <p:spTgt spid="8"/>
-                                        </p:tgtEl>
-                                        <p:attrNameLst>
-                                          <p:attrName>style.visibility</p:attrName>
-                                        </p:attrNameLst>
-                                      </p:cBhvr>
-                                      <p:to>
-                                        <p:strVal val="visible"/>
-                                      </p:to>
-                                    </p:set>
-                                    <p:animEffect transition="in" filter="fade">
-                                      <p:cBhvr>
-                                        <p:cTn id="12" dur="500"/>
-                                        <p:tgtEl>
-                                          <p:spTgt spid="8"/>
-                                        </p:tgtEl>
-                                      </p:cBhvr>
-                                    </p:animEffect>
-                                  </p:childTnLst>
-                                </p:cTn>
-                              </p:par>
-                            </p:childTnLst>
-                          </p:cTn>
-                        </p:par>
-                      </p:childTnLst>
-                    </p:cTn>
-                  </p:par>
-                  <p:par>
-                    <p:cTn id="13" fill="hold">
-                      <p:stCondLst>
-                        <p:cond delay="indefinite"/>
-                      </p:stCondLst>
-                      <p:childTnLst>
-                        <p:par>
-                          <p:cTn id="14" fill="hold">
-                            <p:stCondLst>
-                              <p:cond delay="0"/>
-                            </p:stCondLst>
-                            <p:childTnLst>
-                              <p:par>
-                                <p:cTn id="15" presetID="10" presetClass="entr" presetSubtype="0" fill="hold" nodeType="clickEffect">
-                                  <p:stCondLst>
-                                    <p:cond delay="0"/>
-                                  </p:stCondLst>
-                                  <p:childTnLst>
-                                    <p:set>
-                                      <p:cBhvr>
-                                        <p:cTn id="16" dur="1" fill="hold">
-                                          <p:stCondLst>
-                                            <p:cond delay="0"/>
-                                          </p:stCondLst>
-                                        </p:cTn>
-                                        <p:tgtEl>
-                                          <p:spTgt spid="12"/>
-                                        </p:tgtEl>
-                                        <p:attrNameLst>
-                                          <p:attrName>style.visibility</p:attrName>
-                                        </p:attrNameLst>
-                                      </p:cBhvr>
-                                      <p:to>
-                                        <p:strVal val="visible"/>
-                                      </p:to>
-                                    </p:set>
-                                    <p:animEffect transition="in" filter="fade">
-                                      <p:cBhvr>
-                                        <p:cTn id="17" dur="500"/>
-                                        <p:tgtEl>
-                                          <p:spTgt spid="12"/>
-                                        </p:tgtEl>
-                                      </p:cBhvr>
-                                    </p:animEffect>
-                                  </p:childTnLst>
-                                </p:cTn>
-                              </p:par>
-                            </p:childTnLst>
-                          </p:cTn>
-                        </p:par>
-                      </p:childTnLst>
-                    </p:cTn>
-                  </p:par>
-                </p:childTnLst>
-              </p:cTn>
-              <p:prevCondLst>
-                <p:cond evt="onPrev" delay="0">
-                  <p:tgtEl>
-                    <p:sldTgt/>
-                  </p:tgtEl>
-                </p:cond>
-              </p:prevCondLst>
-              <p:nextCondLst>
-                <p:cond evt="onNext" delay="0">
-                  <p:tgtEl>
-                    <p:sldTgt/>
-                  </p:tgtEl>
-                </p:cond>
-              </p:nextCondLst>
-            </p:seq>
-          </p:childTnLst>
-        </p:cTn>
+        <p:cTn id="1" dur="indefinite" restart="never" nodeType="tmRoot"/>
       </p:par>
     </p:tnLst>
   </p:timing>
-</p:sld>
-</file>
-
-<file path=ppt/slides/slide4.xml><?xml version="1.0" encoding="utf-8"?>
-<p:sld xmlns:a="http://schemas.openxmlformats.org/drawingml/2006/main" xmlns:r="http://schemas.openxmlformats.org/officeDocument/2006/relationships" xmlns:p="http://schemas.openxmlformats.org/presentationml/2006/main">
-  <p:cSld>
-    <p:spTree>
-      <p:nvGrpSpPr>
-        <p:cNvPr id="1" name=""/>
-        <p:cNvGrpSpPr/>
-        <p:nvPr/>
-      </p:nvGrpSpPr>
-      <p:grpSpPr>
-        <a:xfrm>
-          <a:off x="0" y="0"/>
-          <a:ext cx="0" cy="0"/>
-          <a:chOff x="0" y="0"/>
-          <a:chExt cx="0" cy="0"/>
-        </a:xfrm>
-      </p:grpSpPr>
-      <p:sp>
-        <p:nvSpPr>
-          <p:cNvPr id="2" name="标题 1"/>
-          <p:cNvSpPr>
-            <a:spLocks noGrp="1"/>
-          </p:cNvSpPr>
-          <p:nvPr>
-            <p:ph type="title"/>
-          </p:nvPr>
-        </p:nvSpPr>
-        <p:spPr/>
-        <p:txBody>
-          <a:bodyPr/>
-          <a:lstStyle/>
-          <a:p>
-            <a:endParaRPr lang="zh-CN" altLang="en-US"/>
-          </a:p>
-        </p:txBody>
-      </p:sp>
-      <p:sp>
-        <p:nvSpPr>
-          <p:cNvPr id="3" name="内容占位符 2"/>
-          <p:cNvSpPr>
-            <a:spLocks noGrp="1"/>
-          </p:cNvSpPr>
-          <p:nvPr>
-            <p:ph idx="1"/>
-          </p:nvPr>
-        </p:nvSpPr>
-        <p:spPr/>
-        <p:txBody>
-          <a:bodyPr>
-            <a:normAutofit fontScale="25000" lnSpcReduction="20000"/>
-          </a:bodyPr>
-          <a:lstStyle/>
-          <a:p>
-            <a:r>
-              <a:rPr lang="en-US" altLang="zh-CN" dirty="0" err="1"/>
-              <a:t>up_k</a:t>
-            </a:r>
-            <a:r>
-              <a:rPr lang="en-US" altLang="zh-CN" dirty="0"/>
-              <a:t>:</a:t>
-            </a:r>
-          </a:p>
-          <a:p>
-            <a:r>
-              <a:rPr lang="en-US" altLang="zh-CN" dirty="0"/>
-              <a:t>	</a:t>
-            </a:r>
-            <a:r>
-              <a:rPr lang="en-US" altLang="zh-CN" dirty="0" err="1"/>
-              <a:t>cmp</a:t>
-            </a:r>
-            <a:r>
-              <a:rPr lang="en-US" altLang="zh-CN" dirty="0"/>
-              <a:t> rowpt,0</a:t>
-            </a:r>
-          </a:p>
-          <a:p>
-            <a:r>
-              <a:rPr lang="en-US" altLang="zh-CN" dirty="0"/>
-              <a:t>	je </a:t>
-            </a:r>
-            <a:r>
-              <a:rPr lang="en-US" altLang="zh-CN" dirty="0" err="1"/>
-              <a:t>uret</a:t>
-            </a:r>
-            <a:endParaRPr lang="en-US" altLang="zh-CN" dirty="0"/>
-          </a:p>
-          <a:p>
-            <a:r>
-              <a:rPr lang="en-US" altLang="zh-CN" dirty="0"/>
-              <a:t>	</a:t>
-            </a:r>
-            <a:r>
-              <a:rPr lang="en-US" altLang="zh-CN" dirty="0" err="1"/>
-              <a:t>dec</a:t>
-            </a:r>
-            <a:r>
-              <a:rPr lang="en-US" altLang="zh-CN" dirty="0"/>
-              <a:t> </a:t>
-            </a:r>
-            <a:r>
-              <a:rPr lang="en-US" altLang="zh-CN" dirty="0" err="1"/>
-              <a:t>rowpt</a:t>
-            </a:r>
-            <a:endParaRPr lang="en-US" altLang="zh-CN" dirty="0"/>
-          </a:p>
-          <a:p>
-            <a:r>
-              <a:rPr lang="en-US" altLang="zh-CN" dirty="0"/>
-              <a:t>	</a:t>
-            </a:r>
-            <a:r>
-              <a:rPr lang="en-US" altLang="zh-CN" dirty="0" err="1"/>
-              <a:t>mov</a:t>
-            </a:r>
-            <a:r>
-              <a:rPr lang="en-US" altLang="zh-CN" dirty="0"/>
-              <a:t> </a:t>
-            </a:r>
-            <a:r>
-              <a:rPr lang="en-US" altLang="zh-CN" dirty="0" err="1"/>
-              <a:t>bl,rowpt</a:t>
-            </a:r>
-            <a:endParaRPr lang="en-US" altLang="zh-CN" dirty="0"/>
-          </a:p>
-          <a:p>
-            <a:r>
-              <a:rPr lang="en-US" altLang="zh-CN" dirty="0"/>
-              <a:t>	</a:t>
-            </a:r>
-            <a:r>
-              <a:rPr lang="en-US" altLang="zh-CN" dirty="0" err="1"/>
-              <a:t>xor</a:t>
-            </a:r>
-            <a:r>
-              <a:rPr lang="en-US" altLang="zh-CN" dirty="0"/>
-              <a:t> </a:t>
-            </a:r>
-            <a:r>
-              <a:rPr lang="en-US" altLang="zh-CN" dirty="0" err="1"/>
-              <a:t>bh,bh</a:t>
-            </a:r>
-            <a:endParaRPr lang="en-US" altLang="zh-CN" dirty="0"/>
-          </a:p>
-          <a:p>
-            <a:r>
-              <a:rPr lang="en-US" altLang="zh-CN" dirty="0"/>
-              <a:t>	</a:t>
-            </a:r>
-            <a:r>
-              <a:rPr lang="en-US" altLang="zh-CN" dirty="0" err="1"/>
-              <a:t>mov</a:t>
-            </a:r>
-            <a:r>
-              <a:rPr lang="en-US" altLang="zh-CN" dirty="0"/>
-              <a:t> </a:t>
-            </a:r>
-            <a:r>
-              <a:rPr lang="en-US" altLang="zh-CN" dirty="0" err="1"/>
-              <a:t>al,cntl</a:t>
-            </a:r>
-            <a:r>
-              <a:rPr lang="en-US" altLang="zh-CN" dirty="0"/>
-              <a:t>[</a:t>
-            </a:r>
-            <a:r>
-              <a:rPr lang="en-US" altLang="zh-CN" dirty="0" err="1"/>
-              <a:t>bx</a:t>
-            </a:r>
-            <a:r>
-              <a:rPr lang="en-US" altLang="zh-CN" dirty="0"/>
-              <a:t>]</a:t>
-            </a:r>
-          </a:p>
-          <a:p>
-            <a:r>
-              <a:rPr lang="en-US" altLang="zh-CN" dirty="0"/>
-              <a:t>	</a:t>
-            </a:r>
-            <a:r>
-              <a:rPr lang="en-US" altLang="zh-CN" dirty="0" err="1"/>
-              <a:t>cmp</a:t>
-            </a:r>
-            <a:r>
-              <a:rPr lang="en-US" altLang="zh-CN" dirty="0"/>
-              <a:t> </a:t>
-            </a:r>
-            <a:r>
-              <a:rPr lang="en-US" altLang="zh-CN" dirty="0" err="1"/>
-              <a:t>al,colpt</a:t>
-            </a:r>
-            <a:endParaRPr lang="en-US" altLang="zh-CN" dirty="0"/>
-          </a:p>
-          <a:p>
-            <a:r>
-              <a:rPr lang="en-US" altLang="zh-CN" dirty="0"/>
-              <a:t>	</a:t>
-            </a:r>
-            <a:r>
-              <a:rPr lang="en-US" altLang="zh-CN" dirty="0" err="1"/>
-              <a:t>jnz</a:t>
-            </a:r>
-            <a:r>
-              <a:rPr lang="en-US" altLang="zh-CN" dirty="0"/>
-              <a:t> </a:t>
-            </a:r>
-            <a:r>
-              <a:rPr lang="en-US" altLang="zh-CN" dirty="0" err="1"/>
-              <a:t>ll</a:t>
-            </a:r>
-            <a:endParaRPr lang="en-US" altLang="zh-CN" dirty="0"/>
-          </a:p>
-          <a:p>
-            <a:r>
-              <a:rPr lang="en-US" altLang="zh-CN" dirty="0"/>
-              <a:t>	</a:t>
-            </a:r>
-            <a:r>
-              <a:rPr lang="en-US" altLang="zh-CN" dirty="0" err="1"/>
-              <a:t>mov</a:t>
-            </a:r>
-            <a:r>
-              <a:rPr lang="en-US" altLang="zh-CN" dirty="0"/>
-              <a:t> </a:t>
-            </a:r>
-            <a:r>
-              <a:rPr lang="en-US" altLang="zh-CN" dirty="0" err="1"/>
-              <a:t>cl,colpt</a:t>
-            </a:r>
-            <a:endParaRPr lang="en-US" altLang="zh-CN" dirty="0"/>
-          </a:p>
-          <a:p>
-            <a:r>
-              <a:rPr lang="en-US" altLang="zh-CN" dirty="0"/>
-              <a:t>	</a:t>
-            </a:r>
-            <a:r>
-              <a:rPr lang="en-US" altLang="zh-CN" dirty="0" err="1"/>
-              <a:t>xor</a:t>
-            </a:r>
-            <a:r>
-              <a:rPr lang="en-US" altLang="zh-CN" dirty="0"/>
-              <a:t> </a:t>
-            </a:r>
-            <a:r>
-              <a:rPr lang="en-US" altLang="zh-CN" dirty="0" err="1"/>
-              <a:t>ch,ch</a:t>
-            </a:r>
-            <a:endParaRPr lang="en-US" altLang="zh-CN" dirty="0"/>
-          </a:p>
-          <a:p>
-            <a:r>
-              <a:rPr lang="en-US" altLang="zh-CN" dirty="0"/>
-              <a:t>	sub </a:t>
-            </a:r>
-            <a:r>
-              <a:rPr lang="en-US" altLang="zh-CN" dirty="0" err="1"/>
-              <a:t>bufpt,cx</a:t>
-            </a:r>
-            <a:endParaRPr lang="en-US" altLang="zh-CN" dirty="0"/>
-          </a:p>
-          <a:p>
-            <a:r>
-              <a:rPr lang="en-US" altLang="zh-CN" dirty="0"/>
-              <a:t>	</a:t>
-            </a:r>
-            <a:r>
-              <a:rPr lang="en-US" altLang="zh-CN" dirty="0" err="1"/>
-              <a:t>mov</a:t>
-            </a:r>
-            <a:r>
-              <a:rPr lang="en-US" altLang="zh-CN" dirty="0"/>
-              <a:t> </a:t>
-            </a:r>
-            <a:r>
-              <a:rPr lang="en-US" altLang="zh-CN" dirty="0" err="1"/>
-              <a:t>colpt,al</a:t>
-            </a:r>
-            <a:endParaRPr lang="en-US" altLang="zh-CN" dirty="0"/>
-          </a:p>
-          <a:p>
-            <a:r>
-              <a:rPr lang="en-US" altLang="zh-CN" dirty="0"/>
-              <a:t>	</a:t>
-            </a:r>
-            <a:r>
-              <a:rPr lang="en-US" altLang="zh-CN" dirty="0" err="1"/>
-              <a:t>jmp</a:t>
-            </a:r>
-            <a:r>
-              <a:rPr lang="en-US" altLang="zh-CN" dirty="0"/>
-              <a:t> 12</a:t>
-            </a:r>
-          </a:p>
-          <a:p>
-            <a:r>
-              <a:rPr lang="en-US" altLang="zh-CN" dirty="0" err="1"/>
-              <a:t>ll</a:t>
-            </a:r>
-            <a:r>
-              <a:rPr lang="en-US" altLang="zh-CN" dirty="0"/>
-              <a:t>: </a:t>
-            </a:r>
-          </a:p>
-          <a:p>
-            <a:r>
-              <a:rPr lang="en-US" altLang="zh-CN" dirty="0"/>
-              <a:t>	</a:t>
-            </a:r>
-            <a:r>
-              <a:rPr lang="en-US" altLang="zh-CN" dirty="0" err="1"/>
-              <a:t>xor</a:t>
-            </a:r>
-            <a:r>
-              <a:rPr lang="en-US" altLang="zh-CN" dirty="0"/>
-              <a:t> </a:t>
-            </a:r>
-            <a:r>
-              <a:rPr lang="en-US" altLang="zh-CN" dirty="0" err="1"/>
-              <a:t>ah,ah</a:t>
-            </a:r>
-            <a:endParaRPr lang="en-US" altLang="zh-CN" dirty="0"/>
-          </a:p>
-          <a:p>
-            <a:r>
-              <a:rPr lang="en-US" altLang="zh-CN" dirty="0"/>
-              <a:t>	sub </a:t>
-            </a:r>
-            <a:r>
-              <a:rPr lang="en-US" altLang="zh-CN" dirty="0" err="1"/>
-              <a:t>bufpt</a:t>
-            </a:r>
-            <a:endParaRPr lang="en-US" altLang="zh-CN" dirty="0"/>
-          </a:p>
-          <a:p>
-            <a:r>
-              <a:rPr lang="en-US" altLang="zh-CN" dirty="0"/>
-              <a:t>l2: </a:t>
-            </a:r>
-          </a:p>
-          <a:p>
-            <a:r>
-              <a:rPr lang="en-US" altLang="zh-CN" dirty="0"/>
-              <a:t>	</a:t>
-            </a:r>
-            <a:r>
-              <a:rPr lang="en-US" altLang="zh-CN" dirty="0" err="1"/>
-              <a:t>dec</a:t>
-            </a:r>
-            <a:r>
-              <a:rPr lang="en-US" altLang="zh-CN" dirty="0"/>
-              <a:t> </a:t>
-            </a:r>
-            <a:r>
-              <a:rPr lang="en-US" altLang="zh-CN" dirty="0" err="1"/>
-              <a:t>bufpt</a:t>
-            </a:r>
-            <a:endParaRPr lang="en-US" altLang="zh-CN" dirty="0"/>
-          </a:p>
-          <a:p>
-            <a:r>
-              <a:rPr lang="en-US" altLang="zh-CN" dirty="0"/>
-              <a:t>curs </a:t>
-            </a:r>
-            <a:r>
-              <a:rPr lang="en-US" altLang="zh-CN" dirty="0" err="1"/>
-              <a:t>rowpt,colpt</a:t>
-            </a:r>
-            <a:endParaRPr lang="en-US" altLang="zh-CN" dirty="0"/>
-          </a:p>
-          <a:p>
-            <a:r>
-              <a:rPr lang="en-US" altLang="zh-CN" dirty="0" err="1"/>
-              <a:t>down_k</a:t>
-            </a:r>
-            <a:r>
-              <a:rPr lang="en-US" altLang="zh-CN" dirty="0"/>
-              <a:t>:</a:t>
-            </a:r>
-          </a:p>
-          <a:p>
-            <a:r>
-              <a:rPr lang="en-US" altLang="zh-CN" dirty="0"/>
-              <a:t>	</a:t>
-            </a:r>
-            <a:r>
-              <a:rPr lang="en-US" altLang="zh-CN" dirty="0" err="1"/>
-              <a:t>mov</a:t>
-            </a:r>
-            <a:r>
-              <a:rPr lang="en-US" altLang="zh-CN" dirty="0"/>
-              <a:t> </a:t>
-            </a:r>
-            <a:r>
-              <a:rPr lang="en-US" altLang="zh-CN" dirty="0" err="1"/>
-              <a:t>al,rowpt</a:t>
-            </a:r>
-            <a:endParaRPr lang="en-US" altLang="zh-CN" dirty="0"/>
-          </a:p>
-          <a:p>
-            <a:r>
-              <a:rPr lang="en-US" altLang="zh-CN" dirty="0"/>
-              <a:t>	</a:t>
-            </a:r>
-            <a:r>
-              <a:rPr lang="en-US" altLang="zh-CN" dirty="0" err="1"/>
-              <a:t>xor</a:t>
-            </a:r>
-            <a:r>
-              <a:rPr lang="en-US" altLang="zh-CN" dirty="0"/>
-              <a:t> </a:t>
-            </a:r>
-            <a:r>
-              <a:rPr lang="en-US" altLang="zh-CN" dirty="0" err="1"/>
-              <a:t>ah,ah</a:t>
-            </a:r>
-            <a:endParaRPr lang="en-US" altLang="zh-CN" dirty="0"/>
-          </a:p>
-          <a:p>
-            <a:r>
-              <a:rPr lang="en-US" altLang="zh-CN" dirty="0"/>
-              <a:t>	</a:t>
-            </a:r>
-            <a:r>
-              <a:rPr lang="en-US" altLang="zh-CN" dirty="0" err="1"/>
-              <a:t>cmp</a:t>
-            </a:r>
-            <a:r>
-              <a:rPr lang="en-US" altLang="zh-CN" dirty="0"/>
-              <a:t> </a:t>
-            </a:r>
-            <a:r>
-              <a:rPr lang="en-US" altLang="zh-CN" dirty="0" err="1"/>
-              <a:t>ax,rowmx</a:t>
-            </a:r>
-            <a:endParaRPr lang="en-US" altLang="zh-CN" dirty="0"/>
-          </a:p>
-          <a:p>
-            <a:r>
-              <a:rPr lang="en-US" altLang="zh-CN" dirty="0"/>
-              <a:t>	</a:t>
-            </a:r>
-            <a:r>
-              <a:rPr lang="en-US" altLang="zh-CN" dirty="0" err="1"/>
-              <a:t>jz</a:t>
-            </a:r>
-            <a:r>
-              <a:rPr lang="en-US" altLang="zh-CN" dirty="0"/>
-              <a:t> </a:t>
-            </a:r>
-            <a:r>
-              <a:rPr lang="en-US" altLang="zh-CN" dirty="0" err="1"/>
-              <a:t>dret</a:t>
-            </a:r>
-            <a:endParaRPr lang="en-US" altLang="zh-CN" dirty="0"/>
-          </a:p>
-          <a:p>
-            <a:r>
-              <a:rPr lang="en-US" altLang="zh-CN" dirty="0"/>
-              <a:t>	</a:t>
-            </a:r>
-            <a:r>
-              <a:rPr lang="en-US" altLang="zh-CN" dirty="0" err="1"/>
-              <a:t>inc</a:t>
-            </a:r>
-            <a:r>
-              <a:rPr lang="en-US" altLang="zh-CN" dirty="0"/>
-              <a:t> </a:t>
-            </a:r>
-            <a:r>
-              <a:rPr lang="en-US" altLang="zh-CN" dirty="0" err="1"/>
-              <a:t>rowpt</a:t>
-            </a:r>
-            <a:endParaRPr lang="en-US" altLang="zh-CN" dirty="0"/>
-          </a:p>
-          <a:p>
-            <a:r>
-              <a:rPr lang="en-US" altLang="zh-CN" dirty="0"/>
-              <a:t>	</a:t>
-            </a:r>
-            <a:r>
-              <a:rPr lang="en-US" altLang="zh-CN" dirty="0" err="1"/>
-              <a:t>mov</a:t>
-            </a:r>
-            <a:r>
-              <a:rPr lang="en-US" altLang="zh-CN" dirty="0"/>
-              <a:t> </a:t>
-            </a:r>
-            <a:r>
-              <a:rPr lang="en-US" altLang="zh-CN" dirty="0" err="1"/>
-              <a:t>bl,rowpt</a:t>
-            </a:r>
-            <a:endParaRPr lang="en-US" altLang="zh-CN" dirty="0"/>
-          </a:p>
-          <a:p>
-            <a:r>
-              <a:rPr lang="en-US" altLang="zh-CN" dirty="0"/>
-              <a:t>	</a:t>
-            </a:r>
-            <a:r>
-              <a:rPr lang="en-US" altLang="zh-CN" dirty="0" err="1"/>
-              <a:t>xor</a:t>
-            </a:r>
-            <a:r>
-              <a:rPr lang="en-US" altLang="zh-CN" dirty="0"/>
-              <a:t> </a:t>
-            </a:r>
-            <a:r>
-              <a:rPr lang="en-US" altLang="zh-CN" dirty="0" err="1"/>
-              <a:t>bh,bh</a:t>
-            </a:r>
-            <a:endParaRPr lang="en-US" altLang="zh-CN" dirty="0"/>
-          </a:p>
-          <a:p>
-            <a:r>
-              <a:rPr lang="en-US" altLang="zh-CN" dirty="0"/>
-              <a:t>	</a:t>
-            </a:r>
-            <a:r>
-              <a:rPr lang="en-US" altLang="zh-CN" dirty="0" err="1"/>
-              <a:t>mov</a:t>
-            </a:r>
-            <a:r>
-              <a:rPr lang="en-US" altLang="zh-CN" dirty="0"/>
-              <a:t> </a:t>
-            </a:r>
-            <a:r>
-              <a:rPr lang="en-US" altLang="zh-CN" dirty="0" err="1"/>
-              <a:t>al,cotl</a:t>
-            </a:r>
-            <a:r>
-              <a:rPr lang="en-US" altLang="zh-CN" dirty="0"/>
-              <a:t>[</a:t>
-            </a:r>
-            <a:r>
-              <a:rPr lang="en-US" altLang="zh-CN" dirty="0" err="1"/>
-              <a:t>bx</a:t>
-            </a:r>
-            <a:r>
-              <a:rPr lang="en-US" altLang="zh-CN" dirty="0"/>
-              <a:t>]</a:t>
-            </a:r>
-          </a:p>
-          <a:p>
-            <a:r>
-              <a:rPr lang="en-US" altLang="zh-CN" dirty="0"/>
-              <a:t>	</a:t>
-            </a:r>
-            <a:r>
-              <a:rPr lang="en-US" altLang="zh-CN" dirty="0" err="1"/>
-              <a:t>cmp</a:t>
-            </a:r>
-            <a:r>
-              <a:rPr lang="en-US" altLang="zh-CN" dirty="0"/>
-              <a:t> </a:t>
-            </a:r>
-            <a:r>
-              <a:rPr lang="en-US" altLang="zh-CN" dirty="0" err="1"/>
-              <a:t>al,colpt</a:t>
-            </a:r>
-            <a:endParaRPr lang="en-US" altLang="zh-CN" dirty="0"/>
-          </a:p>
-          <a:p>
-            <a:r>
-              <a:rPr lang="en-US" altLang="zh-CN" dirty="0"/>
-              <a:t>	</a:t>
-            </a:r>
-            <a:r>
-              <a:rPr lang="en-US" altLang="zh-CN" dirty="0" err="1"/>
-              <a:t>jnz</a:t>
-            </a:r>
-            <a:r>
-              <a:rPr lang="en-US" altLang="zh-CN" dirty="0"/>
-              <a:t> l3</a:t>
-            </a:r>
-          </a:p>
-          <a:p>
-            <a:r>
-              <a:rPr lang="en-US" altLang="zh-CN" dirty="0"/>
-              <a:t>	</a:t>
-            </a:r>
-            <a:r>
-              <a:rPr lang="en-US" altLang="zh-CN" dirty="0" err="1"/>
-              <a:t>mov</a:t>
-            </a:r>
-            <a:r>
-              <a:rPr lang="en-US" altLang="zh-CN" dirty="0"/>
-              <a:t> </a:t>
-            </a:r>
-            <a:r>
-              <a:rPr lang="en-US" altLang="zh-CN" dirty="0" err="1"/>
-              <a:t>cl,colpt</a:t>
-            </a:r>
-            <a:endParaRPr lang="en-US" altLang="zh-CN" dirty="0"/>
-          </a:p>
-          <a:p>
-            <a:r>
-              <a:rPr lang="en-US" altLang="zh-CN" dirty="0"/>
-              <a:t>	</a:t>
-            </a:r>
-            <a:r>
-              <a:rPr lang="en-US" altLang="zh-CN" dirty="0" err="1"/>
-              <a:t>xor</a:t>
-            </a:r>
-            <a:r>
-              <a:rPr lang="en-US" altLang="zh-CN" dirty="0"/>
-              <a:t> </a:t>
-            </a:r>
-            <a:r>
-              <a:rPr lang="en-US" altLang="zh-CN" dirty="0" err="1"/>
-              <a:t>ch,ch</a:t>
-            </a:r>
-            <a:endParaRPr lang="en-US" altLang="zh-CN" dirty="0"/>
-          </a:p>
-          <a:p>
-            <a:r>
-              <a:rPr lang="en-US" altLang="zh-CN" dirty="0"/>
-              <a:t>	sub </a:t>
-            </a:r>
-            <a:r>
-              <a:rPr lang="en-US" altLang="zh-CN" dirty="0" err="1"/>
-              <a:t>bufpt,cx</a:t>
-            </a:r>
-            <a:endParaRPr lang="en-US" altLang="zh-CN" dirty="0"/>
-          </a:p>
-          <a:p>
-            <a:r>
-              <a:rPr lang="en-US" altLang="zh-CN" dirty="0"/>
-              <a:t>	</a:t>
-            </a:r>
-            <a:r>
-              <a:rPr lang="en-US" altLang="zh-CN" dirty="0" err="1"/>
-              <a:t>mov</a:t>
-            </a:r>
-            <a:r>
-              <a:rPr lang="en-US" altLang="zh-CN" dirty="0"/>
-              <a:t> </a:t>
-            </a:r>
-            <a:r>
-              <a:rPr lang="en-US" altLang="zh-CN" dirty="0" err="1"/>
-              <a:t>colpt,al</a:t>
-            </a:r>
-            <a:endParaRPr lang="en-US" altLang="zh-CN" dirty="0"/>
-          </a:p>
-          <a:p>
-            <a:r>
-              <a:rPr lang="en-US" altLang="zh-CN" dirty="0"/>
-              <a:t>	</a:t>
-            </a:r>
-            <a:r>
-              <a:rPr lang="en-US" altLang="zh-CN" dirty="0" err="1"/>
-              <a:t>dec</a:t>
-            </a:r>
-            <a:r>
-              <a:rPr lang="en-US" altLang="zh-CN" dirty="0"/>
-              <a:t> </a:t>
-            </a:r>
-            <a:r>
-              <a:rPr lang="en-US" altLang="zh-CN" dirty="0" err="1"/>
-              <a:t>bx</a:t>
-            </a:r>
-            <a:endParaRPr lang="en-US" altLang="zh-CN" dirty="0"/>
-          </a:p>
-          <a:p>
-            <a:r>
-              <a:rPr lang="en-US" altLang="zh-CN" dirty="0"/>
-              <a:t>	</a:t>
-            </a:r>
-            <a:r>
-              <a:rPr lang="en-US" altLang="zh-CN" dirty="0" err="1"/>
-              <a:t>mov</a:t>
-            </a:r>
-            <a:r>
-              <a:rPr lang="en-US" altLang="zh-CN" dirty="0"/>
-              <a:t> </a:t>
-            </a:r>
-            <a:r>
-              <a:rPr lang="en-US" altLang="zh-CN" dirty="0" err="1"/>
-              <a:t>dl,cntl</a:t>
-            </a:r>
-            <a:r>
-              <a:rPr lang="en-US" altLang="zh-CN" dirty="0"/>
-              <a:t>[</a:t>
-            </a:r>
-            <a:r>
-              <a:rPr lang="en-US" altLang="zh-CN" dirty="0" err="1"/>
-              <a:t>bx</a:t>
-            </a:r>
-            <a:r>
-              <a:rPr lang="en-US" altLang="zh-CN" dirty="0"/>
-              <a:t>]</a:t>
-            </a:r>
-          </a:p>
-          <a:p>
-            <a:r>
-              <a:rPr lang="en-US" altLang="zh-CN" dirty="0"/>
-              <a:t>	</a:t>
-            </a:r>
-            <a:r>
-              <a:rPr lang="en-US" altLang="zh-CN" dirty="0" err="1"/>
-              <a:t>xor</a:t>
-            </a:r>
-            <a:r>
-              <a:rPr lang="en-US" altLang="zh-CN" dirty="0"/>
-              <a:t> </a:t>
-            </a:r>
-            <a:r>
-              <a:rPr lang="en-US" altLang="zh-CN" dirty="0" err="1"/>
-              <a:t>dh,dh</a:t>
-            </a:r>
-            <a:endParaRPr lang="en-US" altLang="zh-CN" dirty="0"/>
-          </a:p>
-          <a:p>
-            <a:r>
-              <a:rPr lang="en-US" altLang="zh-CN" dirty="0"/>
-              <a:t>	</a:t>
-            </a:r>
-            <a:r>
-              <a:rPr lang="en-US" altLang="zh-CN" dirty="0" err="1"/>
-              <a:t>xor</a:t>
-            </a:r>
-            <a:r>
-              <a:rPr lang="en-US" altLang="zh-CN" dirty="0"/>
-              <a:t> </a:t>
-            </a:r>
-            <a:r>
-              <a:rPr lang="en-US" altLang="zh-CN" dirty="0" err="1"/>
-              <a:t>ah,ah</a:t>
-            </a:r>
-            <a:endParaRPr lang="en-US" altLang="zh-CN" dirty="0"/>
-          </a:p>
-          <a:p>
-            <a:r>
-              <a:rPr lang="en-US" altLang="zh-CN" dirty="0"/>
-              <a:t>	add </a:t>
-            </a:r>
-            <a:r>
-              <a:rPr lang="en-US" altLang="zh-CN" dirty="0" err="1"/>
-              <a:t>bufpt,ax</a:t>
-            </a:r>
-            <a:endParaRPr lang="en-US" altLang="zh-CN" dirty="0"/>
-          </a:p>
-          <a:p>
-            <a:r>
-              <a:rPr lang="en-US" altLang="zh-CN" dirty="0"/>
-              <a:t>	</a:t>
-            </a:r>
-            <a:r>
-              <a:rPr lang="en-US" altLang="zh-CN" dirty="0" err="1"/>
-              <a:t>adc</a:t>
-            </a:r>
-            <a:r>
-              <a:rPr lang="en-US" altLang="zh-CN" dirty="0"/>
-              <a:t> </a:t>
-            </a:r>
-            <a:r>
-              <a:rPr lang="en-US" altLang="zh-CN" dirty="0" err="1"/>
-              <a:t>bufpt,dx</a:t>
-            </a:r>
-            <a:endParaRPr lang="en-US" altLang="zh-CN" dirty="0"/>
-          </a:p>
-          <a:p>
-            <a:r>
-              <a:rPr lang="en-US" altLang="zh-CN" dirty="0"/>
-              <a:t>	</a:t>
-            </a:r>
-            <a:r>
-              <a:rPr lang="en-US" altLang="zh-CN" dirty="0" err="1"/>
-              <a:t>jmp</a:t>
-            </a:r>
-            <a:r>
-              <a:rPr lang="en-US" altLang="zh-CN" dirty="0"/>
-              <a:t> l4</a:t>
-            </a:r>
-          </a:p>
-          <a:p>
-            <a:r>
-              <a:rPr lang="en-US" altLang="zh-CN" dirty="0"/>
-              <a:t>l3:</a:t>
-            </a:r>
-          </a:p>
-          <a:p>
-            <a:r>
-              <a:rPr lang="en-US" altLang="zh-CN" dirty="0"/>
-              <a:t>	</a:t>
-            </a:r>
-            <a:r>
-              <a:rPr lang="en-US" altLang="zh-CN" dirty="0" err="1"/>
-              <a:t>dec</a:t>
-            </a:r>
-            <a:r>
-              <a:rPr lang="en-US" altLang="zh-CN" dirty="0"/>
-              <a:t> </a:t>
-            </a:r>
-            <a:r>
-              <a:rPr lang="en-US" altLang="zh-CN" dirty="0" err="1"/>
-              <a:t>bx</a:t>
-            </a:r>
-            <a:endParaRPr lang="en-US" altLang="zh-CN" dirty="0"/>
-          </a:p>
-          <a:p>
-            <a:r>
-              <a:rPr lang="en-US" altLang="zh-CN" dirty="0"/>
-              <a:t>	</a:t>
-            </a:r>
-            <a:r>
-              <a:rPr lang="en-US" altLang="zh-CN" dirty="0" err="1"/>
-              <a:t>mov</a:t>
-            </a:r>
-            <a:r>
-              <a:rPr lang="en-US" altLang="zh-CN" dirty="0"/>
-              <a:t> </a:t>
-            </a:r>
-            <a:r>
-              <a:rPr lang="en-US" altLang="zh-CN" dirty="0" err="1"/>
-              <a:t>cl,cntl</a:t>
-            </a:r>
-            <a:r>
-              <a:rPr lang="en-US" altLang="zh-CN" dirty="0"/>
-              <a:t>[</a:t>
-            </a:r>
-            <a:r>
-              <a:rPr lang="en-US" altLang="zh-CN" dirty="0" err="1"/>
-              <a:t>bx</a:t>
-            </a:r>
-            <a:r>
-              <a:rPr lang="en-US" altLang="zh-CN" dirty="0"/>
-              <a:t>]</a:t>
-            </a:r>
-          </a:p>
-          <a:p>
-            <a:r>
-              <a:rPr lang="en-US" altLang="zh-CN" dirty="0"/>
-              <a:t>	</a:t>
-            </a:r>
-            <a:r>
-              <a:rPr lang="en-US" altLang="zh-CN" dirty="0" err="1"/>
-              <a:t>xor</a:t>
-            </a:r>
-            <a:r>
-              <a:rPr lang="en-US" altLang="zh-CN" dirty="0"/>
-              <a:t> </a:t>
-            </a:r>
-            <a:r>
-              <a:rPr lang="en-US" altLang="zh-CN" dirty="0" err="1"/>
-              <a:t>ch,ch</a:t>
-            </a:r>
-            <a:endParaRPr lang="en-US" altLang="zh-CN" dirty="0"/>
-          </a:p>
-          <a:p>
-            <a:r>
-              <a:rPr lang="en-US" altLang="zh-CN" dirty="0"/>
-              <a:t>	add </a:t>
-            </a:r>
-            <a:r>
-              <a:rPr lang="en-US" altLang="zh-CN" dirty="0" err="1"/>
-              <a:t>bufpt</a:t>
-            </a:r>
-            <a:endParaRPr lang="en-US" altLang="zh-CN" dirty="0"/>
-          </a:p>
-          <a:p>
-            <a:r>
-              <a:rPr lang="en-US" altLang="zh-CN" dirty="0"/>
-              <a:t>l4: </a:t>
-            </a:r>
-          </a:p>
-          <a:p>
-            <a:r>
-              <a:rPr lang="en-US" altLang="zh-CN" dirty="0"/>
-              <a:t>	</a:t>
-            </a:r>
-            <a:r>
-              <a:rPr lang="en-US" altLang="zh-CN" dirty="0" err="1"/>
-              <a:t>inc</a:t>
-            </a:r>
-            <a:r>
-              <a:rPr lang="en-US" altLang="zh-CN" dirty="0"/>
-              <a:t> </a:t>
-            </a:r>
-            <a:r>
-              <a:rPr lang="en-US" altLang="zh-CN" dirty="0" err="1"/>
-              <a:t>bufpt</a:t>
-            </a:r>
-            <a:endParaRPr lang="en-US" altLang="zh-CN" dirty="0"/>
-          </a:p>
-          <a:p>
-            <a:r>
-              <a:rPr lang="en-US" altLang="zh-CN" dirty="0"/>
-              <a:t>curs </a:t>
-            </a:r>
-            <a:r>
-              <a:rPr lang="en-US" altLang="zh-CN" dirty="0" err="1"/>
-              <a:t>rowpt,colpt</a:t>
-            </a:r>
-            <a:endParaRPr lang="zh-CN" altLang="en-US" dirty="0"/>
-          </a:p>
-        </p:txBody>
-      </p:sp>
-    </p:spTree>
-    <p:extLst>
-      <p:ext uri="{BB962C8B-B14F-4D97-AF65-F5344CB8AC3E}">
-        <p14:creationId xmlns:p14="http://schemas.microsoft.com/office/powerpoint/2010/main" val="1572346001"/>
-      </p:ext>
-    </p:extLst>
-  </p:cSld>
-  <p:clrMapOvr>
-    <a:masterClrMapping/>
-  </p:clrMapOvr>
 </p:sld>
 </file>
 
